--- a/기획/발표자료/온식고_PPT_최종.pptx
+++ b/기획/발표자료/온식고_PPT_최종.pptx
@@ -20,7 +20,7 @@
     <p:sldId id="269" r:id="rId14"/>
     <p:sldId id="270" r:id="rId15"/>
     <p:sldId id="271" r:id="rId16"/>
-    <p:sldId id="272" r:id="rId17"/>
+    <p:sldId id="286" r:id="rId17"/>
     <p:sldId id="273" r:id="rId18"/>
     <p:sldId id="274" r:id="rId19"/>
     <p:sldId id="275" r:id="rId20"/>
@@ -30,7 +30,9 @@
     <p:sldId id="279" r:id="rId24"/>
     <p:sldId id="280" r:id="rId25"/>
     <p:sldId id="281" r:id="rId26"/>
-    <p:sldId id="282" r:id="rId27"/>
+    <p:sldId id="283" r:id="rId27"/>
+    <p:sldId id="285" r:id="rId28"/>
+    <p:sldId id="282" r:id="rId29"/>
   </p:sldIdLst>
   <p:sldSz cx="10696575" cy="7562850"/>
   <p:notesSz cx="7562850" cy="10696575"/>
@@ -6659,15 +6661,7 @@
 
 <file path=ppt/slides/slide16.xml><?xml version="1.0" encoding="utf-8"?>
 <p:sld xmlns:a="http://schemas.openxmlformats.org/drawingml/2006/main" xmlns:r="http://schemas.openxmlformats.org/officeDocument/2006/relationships" xmlns:p="http://schemas.openxmlformats.org/presentationml/2006/main">
-  <p:cSld name="Slide 17">
-    <p:bg>
-      <p:bgPr>
-        <a:solidFill>
-          <a:srgbClr val="FFFFFF"/>
-        </a:solidFill>
-        <a:effectLst/>
-      </p:bgPr>
-    </p:bg>
+  <p:cSld>
     <p:spTree>
       <p:nvGrpSpPr>
         <p:cNvPr id="1" name=""/>
@@ -6684,53 +6678,14 @@
       </p:grpSpPr>
       <p:grpSp>
         <p:nvGrpSpPr>
-          <p:cNvPr id="1001" name="그룹 1001"/>
+          <p:cNvPr id="1002" name="그룹 1002"/>
           <p:cNvGrpSpPr/>
           <p:nvPr/>
         </p:nvGrpSpPr>
         <p:grpSpPr>
           <a:xfrm>
-            <a:off x="4663522" y="570002"/>
-            <a:ext cx="6903805" cy="6365012"/>
-            <a:chOff x="4663522" y="570002"/>
-            <a:chExt cx="6903805" cy="6365012"/>
-          </a:xfrm>
-        </p:grpSpPr>
-        <p:pic>
-          <p:nvPicPr>
-            <p:cNvPr id="3" name="Object 2"/>
-            <p:cNvPicPr>
-              <a:picLocks noChangeAspect="1"/>
-            </p:cNvPicPr>
-            <p:nvPr/>
-          </p:nvPicPr>
-          <p:blipFill>
-            <a:blip r:embed="rId2" cstate="print"/>
-            <a:stretch>
-              <a:fillRect/>
-            </a:stretch>
-          </p:blipFill>
-          <p:spPr>
-            <a:xfrm>
-              <a:off x="4663522" y="570002"/>
-              <a:ext cx="6903805" cy="6365012"/>
-            </a:xfrm>
-            <a:prstGeom prst="rect">
-              <a:avLst/>
-            </a:prstGeom>
-          </p:spPr>
-        </p:pic>
-      </p:grpSp>
-      <p:grpSp>
-        <p:nvGrpSpPr>
-          <p:cNvPr id="1002" name="그룹 1002"/>
-          <p:cNvGrpSpPr/>
-          <p:nvPr/>
-        </p:nvGrpSpPr>
-        <p:grpSpPr>
-          <a:xfrm>
-            <a:off x="511152" y="1160320"/>
-            <a:ext cx="4836467" cy="5326599"/>
+            <a:off x="700087" y="2486025"/>
+            <a:ext cx="9409135" cy="4409628"/>
             <a:chOff x="511152" y="1160320"/>
             <a:chExt cx="4836467" cy="5326599"/>
           </a:xfrm>
@@ -6744,7 +6699,7 @@
             <p:nvPr/>
           </p:nvPicPr>
           <p:blipFill>
-            <a:blip r:embed="rId3" cstate="print"/>
+            <a:blip r:embed="rId2" cstate="print"/>
             <a:stretch>
               <a:fillRect/>
             </a:stretch>
@@ -6769,14 +6724,14 @@
           <p:nvPr/>
         </p:nvPicPr>
         <p:blipFill>
-          <a:blip r:embed="rId4" cstate="print"/>
+          <a:blip r:embed="rId3" cstate="print"/>
           <a:stretch>
             <a:fillRect/>
           </a:stretch>
         </p:blipFill>
         <p:spPr>
           <a:xfrm>
-            <a:off x="1304487" y="3037860"/>
+            <a:off x="3965998" y="3228773"/>
             <a:ext cx="579680" cy="481792"/>
           </a:xfrm>
           <a:prstGeom prst="rect">
@@ -6784,69 +6739,6 @@
           </a:prstGeom>
         </p:spPr>
       </p:pic>
-      <p:pic>
-        <p:nvPicPr>
-          <p:cNvPr id="9" name="Object 8"/>
-          <p:cNvPicPr>
-            <a:picLocks noChangeAspect="1"/>
-          </p:cNvPicPr>
-          <p:nvPr/>
-        </p:nvPicPr>
-        <p:blipFill>
-          <a:blip r:embed="rId5" cstate="print"/>
-          <a:stretch>
-            <a:fillRect/>
-          </a:stretch>
-        </p:blipFill>
-        <p:spPr>
-          <a:xfrm>
-            <a:off x="1043454" y="2019686"/>
-            <a:ext cx="3437128" cy="762342"/>
-          </a:xfrm>
-          <a:prstGeom prst="rect">
-            <a:avLst/>
-          </a:prstGeom>
-        </p:spPr>
-      </p:pic>
-      <p:grpSp>
-        <p:nvGrpSpPr>
-          <p:cNvPr id="1003" name="그룹 1003"/>
-          <p:cNvGrpSpPr/>
-          <p:nvPr/>
-        </p:nvGrpSpPr>
-        <p:grpSpPr>
-          <a:xfrm>
-            <a:off x="1132365" y="1972426"/>
-            <a:ext cx="193389" cy="104865"/>
-            <a:chOff x="1132365" y="1972426"/>
-            <a:chExt cx="193389" cy="104865"/>
-          </a:xfrm>
-        </p:grpSpPr>
-        <p:pic>
-          <p:nvPicPr>
-            <p:cNvPr id="11" name="Object 10"/>
-            <p:cNvPicPr>
-              <a:picLocks noChangeAspect="1"/>
-            </p:cNvPicPr>
-            <p:nvPr/>
-          </p:nvPicPr>
-          <p:blipFill>
-            <a:blip r:embed="rId6" cstate="print"/>
-            <a:stretch>
-              <a:fillRect/>
-            </a:stretch>
-          </p:blipFill>
-          <p:spPr>
-            <a:xfrm>
-              <a:off x="1132365" y="1972426"/>
-              <a:ext cx="193389" cy="104865"/>
-            </a:xfrm>
-            <a:prstGeom prst="rect">
-              <a:avLst/>
-            </a:prstGeom>
-          </p:spPr>
-        </p:pic>
-      </p:grpSp>
       <p:grpSp>
         <p:nvGrpSpPr>
           <p:cNvPr id="1004" name="그룹 1004"/>
@@ -6855,7 +6747,7 @@
         </p:nvGrpSpPr>
         <p:grpSpPr>
           <a:xfrm>
-            <a:off x="1080932" y="3132590"/>
+            <a:off x="3742443" y="3323503"/>
             <a:ext cx="181724" cy="195584"/>
             <a:chOff x="1087008" y="4238856"/>
             <a:chExt cx="181724" cy="195584"/>
@@ -6870,7 +6762,7 @@
             <p:nvPr/>
           </p:nvPicPr>
           <p:blipFill>
-            <a:blip r:embed="rId7" cstate="print"/>
+            <a:blip r:embed="rId4" cstate="print"/>
             <a:stretch>
               <a:fillRect/>
             </a:stretch>
@@ -6895,14 +6787,14 @@
           <p:nvPr/>
         </p:nvPicPr>
         <p:blipFill>
-          <a:blip r:embed="rId8" cstate="print"/>
+          <a:blip r:embed="rId5" cstate="print"/>
           <a:stretch>
             <a:fillRect/>
           </a:stretch>
         </p:blipFill>
         <p:spPr>
           <a:xfrm>
-            <a:off x="1086576" y="3476625"/>
+            <a:off x="3748087" y="3667538"/>
             <a:ext cx="3499596" cy="1023301"/>
           </a:xfrm>
           <a:prstGeom prst="rect">
@@ -6919,14 +6811,14 @@
           <p:nvPr/>
         </p:nvPicPr>
         <p:blipFill>
-          <a:blip r:embed="rId9" cstate="print"/>
+          <a:blip r:embed="rId6" cstate="print"/>
           <a:stretch>
             <a:fillRect/>
           </a:stretch>
         </p:blipFill>
         <p:spPr>
           <a:xfrm>
-            <a:off x="1283645" y="5151466"/>
+            <a:off x="3945156" y="5342379"/>
             <a:ext cx="636378" cy="526716"/>
           </a:xfrm>
           <a:prstGeom prst="rect">
@@ -6942,7 +6834,7 @@
         </p:nvGrpSpPr>
         <p:grpSpPr>
           <a:xfrm>
-            <a:off x="1038273" y="5255444"/>
+            <a:off x="3699784" y="5446357"/>
             <a:ext cx="199461" cy="214674"/>
             <a:chOff x="6241631" y="1474018"/>
             <a:chExt cx="199461" cy="214674"/>
@@ -6957,7 +6849,7 @@
             <p:nvPr/>
           </p:nvPicPr>
           <p:blipFill>
-            <a:blip r:embed="rId10" cstate="print"/>
+            <a:blip r:embed="rId7" cstate="print"/>
             <a:stretch>
               <a:fillRect/>
             </a:stretch>
@@ -6982,39 +6874,15 @@
           <p:nvPr/>
         </p:nvPicPr>
         <p:blipFill>
-          <a:blip r:embed="rId11" cstate="print"/>
+          <a:blip r:embed="rId8" cstate="print"/>
           <a:stretch>
             <a:fillRect/>
           </a:stretch>
         </p:blipFill>
         <p:spPr>
           <a:xfrm>
-            <a:off x="1080932" y="5609961"/>
+            <a:off x="3742443" y="5800874"/>
             <a:ext cx="2368388" cy="281522"/>
-          </a:xfrm>
-          <a:prstGeom prst="rect">
-            <a:avLst/>
-          </a:prstGeom>
-        </p:spPr>
-      </p:pic>
-      <p:pic>
-        <p:nvPicPr>
-          <p:cNvPr id="22" name="Object 21"/>
-          <p:cNvPicPr>
-            <a:picLocks noChangeAspect="1"/>
-          </p:cNvPicPr>
-          <p:nvPr/>
-        </p:nvPicPr>
-        <p:blipFill>
-          <a:blip r:embed="rId12" cstate="print"/>
-          <a:stretch>
-            <a:fillRect/>
-          </a:stretch>
-        </p:blipFill>
-        <p:spPr>
-          <a:xfrm>
-            <a:off x="7162225" y="2194114"/>
-            <a:ext cx="1131826" cy="467278"/>
           </a:xfrm>
           <a:prstGeom prst="rect">
             <a:avLst/>
@@ -7023,36 +6891,36 @@
       </p:pic>
       <p:grpSp>
         <p:nvGrpSpPr>
-          <p:cNvPr id="1006" name="그룹 1006"/>
+          <p:cNvPr id="27" name="그룹 1001"/>
           <p:cNvGrpSpPr/>
           <p:nvPr/>
         </p:nvGrpSpPr>
         <p:grpSpPr>
           <a:xfrm>
-            <a:off x="6916850" y="2298092"/>
-            <a:ext cx="199461" cy="214674"/>
-            <a:chOff x="6270076" y="2956560"/>
-            <a:chExt cx="199461" cy="214674"/>
+            <a:off x="112539" y="1160439"/>
+            <a:ext cx="1252144" cy="276873"/>
+            <a:chOff x="112539" y="1160439"/>
+            <a:chExt cx="1252144" cy="276873"/>
           </a:xfrm>
         </p:grpSpPr>
         <p:pic>
           <p:nvPicPr>
-            <p:cNvPr id="24" name="Object 23"/>
+            <p:cNvPr id="28" name="Object 4"/>
             <p:cNvPicPr>
               <a:picLocks noChangeAspect="1"/>
             </p:cNvPicPr>
             <p:nvPr/>
           </p:nvPicPr>
           <p:blipFill>
-            <a:blip r:embed="rId10" cstate="print"/>
+            <a:blip r:embed="rId9" cstate="print"/>
             <a:stretch>
               <a:fillRect/>
             </a:stretch>
           </p:blipFill>
           <p:spPr>
-            <a:xfrm>
-              <a:off x="6270076" y="2956560"/>
-              <a:ext cx="199461" cy="214674"/>
+            <a:xfrm rot="-16200000">
+              <a:off x="112539" y="1160439"/>
+              <a:ext cx="1252144" cy="276873"/>
             </a:xfrm>
             <a:prstGeom prst="rect">
               <a:avLst/>
@@ -7062,22 +6930,22 @@
       </p:grpSp>
       <p:pic>
         <p:nvPicPr>
-          <p:cNvPr id="26" name="Object 25"/>
+          <p:cNvPr id="2" name="그림 1"/>
           <p:cNvPicPr>
             <a:picLocks noChangeAspect="1"/>
           </p:cNvPicPr>
           <p:nvPr/>
         </p:nvPicPr>
         <p:blipFill>
-          <a:blip r:embed="rId13" cstate="print"/>
+          <a:blip r:embed="rId10"/>
           <a:stretch>
             <a:fillRect/>
           </a:stretch>
         </p:blipFill>
         <p:spPr>
           <a:xfrm>
-            <a:off x="6865546" y="2663856"/>
-            <a:ext cx="2392674" cy="2993445"/>
+            <a:off x="877048" y="541675"/>
+            <a:ext cx="1700021" cy="880734"/>
           </a:xfrm>
           <a:prstGeom prst="rect">
             <a:avLst/>
@@ -7085,6 +6953,11 @@
         </p:spPr>
       </p:pic>
     </p:spTree>
+    <p:extLst>
+      <p:ext uri="{BB962C8B-B14F-4D97-AF65-F5344CB8AC3E}">
+        <p14:creationId xmlns:p14="http://schemas.microsoft.com/office/powerpoint/2010/main" val="1097195224"/>
+      </p:ext>
+    </p:extLst>
   </p:cSld>
   <p:clrMapOvr>
     <a:masterClrMapping/>
@@ -7259,105 +7132,6 @@
                                         </p:cTn>
                                         <p:tgtEl>
                                           <p:spTgt spid="21"/>
-                                        </p:tgtEl>
-                                        <p:attrNameLst>
-                                          <p:attrName>style.visibility</p:attrName>
-                                        </p:attrNameLst>
-                                      </p:cBhvr>
-                                      <p:to>
-                                        <p:strVal val="visible"/>
-                                      </p:to>
-                                    </p:set>
-                                  </p:childTnLst>
-                                </p:cTn>
-                              </p:par>
-                            </p:childTnLst>
-                          </p:cTn>
-                        </p:par>
-                      </p:childTnLst>
-                    </p:cTn>
-                  </p:par>
-                  <p:par>
-                    <p:cTn id="17" fill="hold">
-                      <p:stCondLst>
-                        <p:cond delay="indefinite"/>
-                      </p:stCondLst>
-                      <p:childTnLst>
-                        <p:par>
-                          <p:cTn id="18" fill="hold">
-                            <p:stCondLst>
-                              <p:cond delay="0"/>
-                            </p:stCondLst>
-                            <p:childTnLst>
-                              <p:par>
-                                <p:cTn id="19" presetID="1" presetClass="entr" presetSubtype="0" fill="hold" nodeType="clickEffect">
-                                  <p:stCondLst>
-                                    <p:cond delay="0"/>
-                                  </p:stCondLst>
-                                  <p:childTnLst>
-                                    <p:set>
-                                      <p:cBhvr>
-                                        <p:cTn id="20" dur="1" fill="hold">
-                                          <p:stCondLst>
-                                            <p:cond delay="0"/>
-                                          </p:stCondLst>
-                                        </p:cTn>
-                                        <p:tgtEl>
-                                          <p:spTgt spid="1006"/>
-                                        </p:tgtEl>
-                                        <p:attrNameLst>
-                                          <p:attrName>style.visibility</p:attrName>
-                                        </p:attrNameLst>
-                                      </p:cBhvr>
-                                      <p:to>
-                                        <p:strVal val="visible"/>
-                                      </p:to>
-                                    </p:set>
-                                  </p:childTnLst>
-                                </p:cTn>
-                              </p:par>
-                              <p:par>
-                                <p:cTn id="21" presetID="1" presetClass="entr" presetSubtype="0" fill="hold" nodeType="withEffect">
-                                  <p:stCondLst>
-                                    <p:cond delay="0"/>
-                                  </p:stCondLst>
-                                  <p:childTnLst>
-                                    <p:set>
-                                      <p:cBhvr>
-                                        <p:cTn id="22" dur="1" fill="hold">
-                                          <p:stCondLst>
-                                            <p:cond delay="0"/>
-                                          </p:stCondLst>
-                                        </p:cTn>
-                                        <p:tgtEl>
-                                          <p:spTgt spid="22"/>
-                                        </p:tgtEl>
-                                        <p:attrNameLst>
-                                          <p:attrName>style.visibility</p:attrName>
-                                        </p:attrNameLst>
-                                      </p:cBhvr>
-                                      <p:to>
-                                        <p:strVal val="visible"/>
-                                      </p:to>
-                                    </p:set>
-                                  </p:childTnLst>
-                                </p:cTn>
-                              </p:par>
-                              <p:par>
-                                <p:cTn id="23" presetID="1" presetClass="entr" presetSubtype="0" fill="hold" nodeType="withEffect">
-                                  <p:stCondLst>
-                                    <p:cond delay="0"/>
-                                  </p:stCondLst>
-                                  <p:childTnLst>
-                                    <p:set>
-                                      <p:cBhvr>
-                                        <p:cTn id="24" dur="1" fill="hold">
-                                          <p:stCondLst>
-                                            <p:cond delay="0"/>
-                                          </p:stCondLst>
-                                        </p:cTn>
-                                        <p:tgtEl>
-                                          <p:spTgt spid="26"/>
                                         </p:tgtEl>
                                         <p:attrNameLst>
                                           <p:attrName>style.visibility</p:attrName>
@@ -8929,7 +8703,7 @@
       </p:pic>
       <p:pic>
         <p:nvPicPr>
-          <p:cNvPr id="34" name="Object 33"/>
+          <p:cNvPr id="35" name="Object 34"/>
           <p:cNvPicPr>
             <a:picLocks noChangeAspect="1"/>
           </p:cNvPicPr>
@@ -8943,8 +8717,8 @@
         </p:blipFill>
         <p:spPr>
           <a:xfrm>
-            <a:off x="8637907" y="4626926"/>
-            <a:ext cx="988970" cy="343733"/>
+            <a:off x="656191" y="5213975"/>
+            <a:ext cx="1107044" cy="384844"/>
           </a:xfrm>
           <a:prstGeom prst="rect">
             <a:avLst/>
@@ -8953,7 +8727,7 @@
       </p:pic>
       <p:pic>
         <p:nvPicPr>
-          <p:cNvPr id="35" name="Object 34"/>
+          <p:cNvPr id="36" name="Object 35"/>
           <p:cNvPicPr>
             <a:picLocks noChangeAspect="1"/>
           </p:cNvPicPr>
@@ -8967,8 +8741,8 @@
         </p:blipFill>
         <p:spPr>
           <a:xfrm>
-            <a:off x="656191" y="5213975"/>
-            <a:ext cx="1107044" cy="384844"/>
+            <a:off x="2278127" y="5213975"/>
+            <a:ext cx="987311" cy="713787"/>
           </a:xfrm>
           <a:prstGeom prst="rect">
             <a:avLst/>
@@ -8977,7 +8751,7 @@
       </p:pic>
       <p:pic>
         <p:nvPicPr>
-          <p:cNvPr id="36" name="Object 35"/>
+          <p:cNvPr id="37" name="Object 36"/>
           <p:cNvPicPr>
             <a:picLocks noChangeAspect="1"/>
           </p:cNvPicPr>
@@ -8991,8 +8765,8 @@
         </p:blipFill>
         <p:spPr>
           <a:xfrm>
-            <a:off x="2278127" y="5213975"/>
-            <a:ext cx="987311" cy="713787"/>
+            <a:off x="3771884" y="5213975"/>
+            <a:ext cx="1107044" cy="220377"/>
           </a:xfrm>
           <a:prstGeom prst="rect">
             <a:avLst/>
@@ -9001,7 +8775,7 @@
       </p:pic>
       <p:pic>
         <p:nvPicPr>
-          <p:cNvPr id="37" name="Object 36"/>
+          <p:cNvPr id="38" name="Object 37"/>
           <p:cNvPicPr>
             <a:picLocks noChangeAspect="1"/>
           </p:cNvPicPr>
@@ -9015,8 +8789,8 @@
         </p:blipFill>
         <p:spPr>
           <a:xfrm>
-            <a:off x="3771884" y="5213975"/>
-            <a:ext cx="1107044" cy="220377"/>
+            <a:off x="7027203" y="5213975"/>
+            <a:ext cx="1080197" cy="384844"/>
           </a:xfrm>
           <a:prstGeom prst="rect">
             <a:avLst/>
@@ -9025,7 +8799,7 @@
       </p:pic>
       <p:pic>
         <p:nvPicPr>
-          <p:cNvPr id="38" name="Object 37"/>
+          <p:cNvPr id="39" name="Object 38"/>
           <p:cNvPicPr>
             <a:picLocks noChangeAspect="1"/>
           </p:cNvPicPr>
@@ -9039,56 +8813,8 @@
         </p:blipFill>
         <p:spPr>
           <a:xfrm>
-            <a:off x="7027203" y="5213975"/>
-            <a:ext cx="1080197" cy="384844"/>
-          </a:xfrm>
-          <a:prstGeom prst="rect">
-            <a:avLst/>
-          </a:prstGeom>
-        </p:spPr>
-      </p:pic>
-      <p:pic>
-        <p:nvPicPr>
-          <p:cNvPr id="39" name="Object 38"/>
-          <p:cNvPicPr>
-            <a:picLocks noChangeAspect="1"/>
-          </p:cNvPicPr>
-          <p:nvPr/>
-        </p:nvPicPr>
-        <p:blipFill>
-          <a:blip r:embed="rId20" cstate="print"/>
-          <a:stretch>
-            <a:fillRect/>
-          </a:stretch>
-        </p:blipFill>
-        <p:spPr>
-          <a:xfrm>
             <a:off x="5437544" y="5211115"/>
             <a:ext cx="1053797" cy="220377"/>
-          </a:xfrm>
-          <a:prstGeom prst="rect">
-            <a:avLst/>
-          </a:prstGeom>
-        </p:spPr>
-      </p:pic>
-      <p:pic>
-        <p:nvPicPr>
-          <p:cNvPr id="40" name="Object 39"/>
-          <p:cNvPicPr>
-            <a:picLocks noChangeAspect="1"/>
-          </p:cNvPicPr>
-          <p:nvPr/>
-        </p:nvPicPr>
-        <p:blipFill>
-          <a:blip r:embed="rId21" cstate="print"/>
-          <a:stretch>
-            <a:fillRect/>
-          </a:stretch>
-        </p:blipFill>
-        <p:spPr>
-          <a:xfrm>
-            <a:off x="8567987" y="5213975"/>
-            <a:ext cx="1087377" cy="220377"/>
           </a:xfrm>
           <a:prstGeom prst="rect">
             <a:avLst/>
@@ -9104,7 +8830,7 @@
           <p:nvPr/>
         </p:nvPicPr>
         <p:blipFill>
-          <a:blip r:embed="rId22" cstate="print"/>
+          <a:blip r:embed="rId20" cstate="print"/>
           <a:stretch>
             <a:fillRect/>
           </a:stretch>
@@ -9142,7 +8868,7 @@
             <p:nvPr/>
           </p:nvPicPr>
           <p:blipFill>
-            <a:blip r:embed="rId23" cstate="print"/>
+            <a:blip r:embed="rId21" cstate="print"/>
             <a:stretch>
               <a:fillRect/>
             </a:stretch>
@@ -9158,6 +8884,54 @@
           </p:spPr>
         </p:pic>
       </p:grpSp>
+      <p:pic>
+        <p:nvPicPr>
+          <p:cNvPr id="2" name="그림 1"/>
+          <p:cNvPicPr>
+            <a:picLocks noChangeAspect="1"/>
+          </p:cNvPicPr>
+          <p:nvPr/>
+        </p:nvPicPr>
+        <p:blipFill>
+          <a:blip r:embed="rId22"/>
+          <a:stretch>
+            <a:fillRect/>
+          </a:stretch>
+        </p:blipFill>
+        <p:spPr>
+          <a:xfrm>
+            <a:off x="8724835" y="4620989"/>
+            <a:ext cx="953294" cy="261021"/>
+          </a:xfrm>
+          <a:prstGeom prst="rect">
+            <a:avLst/>
+          </a:prstGeom>
+        </p:spPr>
+      </p:pic>
+      <p:pic>
+        <p:nvPicPr>
+          <p:cNvPr id="4" name="그림 3"/>
+          <p:cNvPicPr>
+            <a:picLocks noChangeAspect="1"/>
+          </p:cNvPicPr>
+          <p:nvPr/>
+        </p:nvPicPr>
+        <p:blipFill>
+          <a:blip r:embed="rId23"/>
+          <a:stretch>
+            <a:fillRect/>
+          </a:stretch>
+        </p:blipFill>
+        <p:spPr>
+          <a:xfrm>
+            <a:off x="8918700" y="5211293"/>
+            <a:ext cx="638175" cy="371475"/>
+          </a:xfrm>
+          <a:prstGeom prst="rect">
+            <a:avLst/>
+          </a:prstGeom>
+        </p:spPr>
+      </p:pic>
     </p:spTree>
   </p:cSld>
   <p:clrMapOvr>
@@ -13029,9 +12803,9 @@
         </p:nvGrpSpPr>
         <p:grpSpPr>
           <a:xfrm>
-            <a:off x="998451" y="1663032"/>
+            <a:off x="1030523" y="1663031"/>
             <a:ext cx="8698337" cy="5289421"/>
-            <a:chOff x="998451" y="1663032"/>
+            <a:chOff x="1030523" y="1663031"/>
             <a:chExt cx="8698337" cy="5289421"/>
           </a:xfrm>
         </p:grpSpPr>
@@ -13051,7 +12825,7 @@
           </p:blipFill>
           <p:spPr>
             <a:xfrm>
-              <a:off x="998451" y="1663032"/>
+              <a:off x="1030523" y="1663031"/>
               <a:ext cx="8698337" cy="5289421"/>
             </a:xfrm>
             <a:prstGeom prst="rect">
@@ -13123,40 +12897,57 @@
           </a:prstGeom>
         </p:spPr>
       </p:pic>
+      <p:pic>
+        <p:nvPicPr>
+          <p:cNvPr id="3" name="그림 2"/>
+          <p:cNvPicPr>
+            <a:picLocks noChangeAspect="1"/>
+          </p:cNvPicPr>
+          <p:nvPr/>
+        </p:nvPicPr>
+        <p:blipFill>
+          <a:blip r:embed="rId7"/>
+          <a:stretch>
+            <a:fillRect/>
+          </a:stretch>
+        </p:blipFill>
+        <p:spPr>
+          <a:xfrm>
+            <a:off x="8984570" y="5144770"/>
+            <a:ext cx="966431" cy="311752"/>
+          </a:xfrm>
+          <a:prstGeom prst="rect">
+            <a:avLst/>
+          </a:prstGeom>
+        </p:spPr>
+      </p:pic>
       <p:sp>
         <p:nvSpPr>
-          <p:cNvPr id="8" name="포인트가 4개인 별 7"/>
+          <p:cNvPr id="5" name="모서리가 둥근 직사각형 4"/>
           <p:cNvSpPr/>
           <p:nvPr/>
         </p:nvSpPr>
         <p:spPr>
           <a:xfrm>
-            <a:off x="2037648" y="4924425"/>
-            <a:ext cx="394932" cy="609600"/>
-          </a:xfrm>
-          <a:prstGeom prst="star4">
-            <a:avLst/>
-          </a:prstGeom>
-          <a:solidFill>
-            <a:srgbClr val="FFFF00"/>
-          </a:solidFill>
-          <a:ln>
-            <a:solidFill>
-              <a:srgbClr val="FFFF00"/>
-            </a:solidFill>
-          </a:ln>
+            <a:off x="1030523" y="5128260"/>
+            <a:ext cx="1295400" cy="1532255"/>
+          </a:xfrm>
+          <a:prstGeom prst="roundRect">
+            <a:avLst/>
+          </a:prstGeom>
+          <a:noFill/>
         </p:spPr>
         <p:style>
           <a:lnRef idx="2">
-            <a:schemeClr val="accent1">
+            <a:schemeClr val="accent3">
               <a:shade val="50000"/>
             </a:schemeClr>
           </a:lnRef>
           <a:fillRef idx="1">
-            <a:schemeClr val="accent1"/>
+            <a:schemeClr val="accent3"/>
           </a:fillRef>
           <a:effectRef idx="0">
-            <a:schemeClr val="accent1"/>
+            <a:schemeClr val="accent3"/>
           </a:effectRef>
           <a:fontRef idx="minor">
             <a:schemeClr val="lt1"/>
@@ -13173,38 +12964,31 @@
       </p:sp>
       <p:sp>
         <p:nvSpPr>
-          <p:cNvPr id="19" name="포인트가 4개인 별 18"/>
+          <p:cNvPr id="26" name="모서리가 둥근 직사각형 25"/>
           <p:cNvSpPr/>
           <p:nvPr/>
         </p:nvSpPr>
         <p:spPr>
           <a:xfrm>
-            <a:off x="2909887" y="4924425"/>
-            <a:ext cx="394932" cy="609600"/>
-          </a:xfrm>
-          <a:prstGeom prst="star4">
-            <a:avLst/>
-          </a:prstGeom>
-          <a:solidFill>
-            <a:srgbClr val="FFFF00"/>
-          </a:solidFill>
-          <a:ln>
-            <a:solidFill>
-              <a:srgbClr val="FFFF00"/>
-            </a:solidFill>
-          </a:ln>
+            <a:off x="2309730" y="4089424"/>
+            <a:ext cx="1295400" cy="1901801"/>
+          </a:xfrm>
+          <a:prstGeom prst="roundRect">
+            <a:avLst/>
+          </a:prstGeom>
+          <a:noFill/>
         </p:spPr>
         <p:style>
           <a:lnRef idx="2">
-            <a:schemeClr val="accent1">
+            <a:schemeClr val="accent3">
               <a:shade val="50000"/>
             </a:schemeClr>
           </a:lnRef>
           <a:fillRef idx="1">
-            <a:schemeClr val="accent1"/>
+            <a:schemeClr val="accent3"/>
           </a:fillRef>
           <a:effectRef idx="0">
-            <a:schemeClr val="accent1"/>
+            <a:schemeClr val="accent3"/>
           </a:effectRef>
           <a:fontRef idx="minor">
             <a:schemeClr val="lt1"/>
@@ -13221,38 +13005,31 @@
       </p:sp>
       <p:sp>
         <p:nvSpPr>
-          <p:cNvPr id="20" name="포인트가 4개인 별 19"/>
+          <p:cNvPr id="27" name="모서리가 둥근 직사각형 26"/>
           <p:cNvSpPr/>
           <p:nvPr/>
         </p:nvSpPr>
         <p:spPr>
           <a:xfrm>
-            <a:off x="4952687" y="2943225"/>
-            <a:ext cx="394932" cy="609600"/>
-          </a:xfrm>
-          <a:prstGeom prst="star4">
-            <a:avLst/>
-          </a:prstGeom>
-          <a:solidFill>
-            <a:srgbClr val="FFFF00"/>
-          </a:solidFill>
-          <a:ln>
-            <a:solidFill>
-              <a:srgbClr val="FFFF00"/>
-            </a:solidFill>
-          </a:ln>
+            <a:off x="4916409" y="2625114"/>
+            <a:ext cx="2565478" cy="1532255"/>
+          </a:xfrm>
+          <a:prstGeom prst="roundRect">
+            <a:avLst/>
+          </a:prstGeom>
+          <a:noFill/>
         </p:spPr>
         <p:style>
           <a:lnRef idx="2">
-            <a:schemeClr val="accent1">
+            <a:schemeClr val="accent3">
               <a:shade val="50000"/>
             </a:schemeClr>
           </a:lnRef>
           <a:fillRef idx="1">
-            <a:schemeClr val="accent1"/>
+            <a:schemeClr val="accent3"/>
           </a:fillRef>
           <a:effectRef idx="0">
-            <a:schemeClr val="accent1"/>
+            <a:schemeClr val="accent3"/>
           </a:effectRef>
           <a:fontRef idx="minor">
             <a:schemeClr val="lt1"/>
@@ -13269,38 +13046,31 @@
       </p:sp>
       <p:sp>
         <p:nvSpPr>
-          <p:cNvPr id="21" name="포인트가 4개인 별 20"/>
+          <p:cNvPr id="28" name="모서리가 둥근 직사각형 27"/>
           <p:cNvSpPr/>
           <p:nvPr/>
         </p:nvSpPr>
         <p:spPr>
           <a:xfrm>
-            <a:off x="7862887" y="2333625"/>
-            <a:ext cx="394932" cy="609600"/>
-          </a:xfrm>
-          <a:prstGeom prst="star4">
-            <a:avLst/>
-          </a:prstGeom>
-          <a:solidFill>
-            <a:srgbClr val="FFFF00"/>
-          </a:solidFill>
-          <a:ln>
-            <a:solidFill>
-              <a:srgbClr val="FFFF00"/>
-            </a:solidFill>
-          </a:ln>
+            <a:off x="7960971" y="2547569"/>
+            <a:ext cx="1735817" cy="1532255"/>
+          </a:xfrm>
+          <a:prstGeom prst="roundRect">
+            <a:avLst/>
+          </a:prstGeom>
+          <a:noFill/>
         </p:spPr>
         <p:style>
           <a:lnRef idx="2">
-            <a:schemeClr val="accent1">
+            <a:schemeClr val="accent3">
               <a:shade val="50000"/>
             </a:schemeClr>
           </a:lnRef>
           <a:fillRef idx="1">
-            <a:schemeClr val="accent1"/>
+            <a:schemeClr val="accent3"/>
           </a:fillRef>
           <a:effectRef idx="0">
-            <a:schemeClr val="accent1"/>
+            <a:schemeClr val="accent3"/>
           </a:effectRef>
           <a:fontRef idx="minor">
             <a:schemeClr val="lt1"/>
@@ -13317,38 +13087,31 @@
       </p:sp>
       <p:sp>
         <p:nvSpPr>
-          <p:cNvPr id="22" name="포인트가 4개인 별 21"/>
+          <p:cNvPr id="29" name="모서리가 둥근 직사각형 28"/>
           <p:cNvSpPr/>
           <p:nvPr/>
         </p:nvSpPr>
         <p:spPr>
           <a:xfrm>
-            <a:off x="4755221" y="5076825"/>
-            <a:ext cx="394932" cy="609600"/>
-          </a:xfrm>
-          <a:prstGeom prst="star4">
-            <a:avLst/>
-          </a:prstGeom>
-          <a:solidFill>
-            <a:srgbClr val="FFFF00"/>
-          </a:solidFill>
-          <a:ln>
-            <a:solidFill>
-              <a:srgbClr val="FFFF00"/>
-            </a:solidFill>
-          </a:ln>
+            <a:off x="4884337" y="4307742"/>
+            <a:ext cx="2821026" cy="2216883"/>
+          </a:xfrm>
+          <a:prstGeom prst="roundRect">
+            <a:avLst/>
+          </a:prstGeom>
+          <a:noFill/>
         </p:spPr>
         <p:style>
           <a:lnRef idx="2">
-            <a:schemeClr val="accent1">
+            <a:schemeClr val="accent3">
               <a:shade val="50000"/>
             </a:schemeClr>
           </a:lnRef>
           <a:fillRef idx="1">
-            <a:schemeClr val="accent1"/>
+            <a:schemeClr val="accent3"/>
           </a:fillRef>
           <a:effectRef idx="0">
-            <a:schemeClr val="accent1"/>
+            <a:schemeClr val="accent3"/>
           </a:effectRef>
           <a:fontRef idx="minor">
             <a:schemeClr val="lt1"/>
@@ -13365,38 +13128,31 @@
       </p:sp>
       <p:sp>
         <p:nvSpPr>
-          <p:cNvPr id="23" name="포인트가 4개인 별 22"/>
+          <p:cNvPr id="30" name="모서리가 둥근 직사각형 29"/>
           <p:cNvSpPr/>
           <p:nvPr/>
         </p:nvSpPr>
         <p:spPr>
           <a:xfrm>
-            <a:off x="8015287" y="4535170"/>
-            <a:ext cx="394932" cy="609600"/>
-          </a:xfrm>
-          <a:prstGeom prst="star4">
-            <a:avLst/>
-          </a:prstGeom>
-          <a:solidFill>
-            <a:srgbClr val="FFFF00"/>
-          </a:solidFill>
-          <a:ln>
-            <a:solidFill>
-              <a:srgbClr val="FFFF00"/>
-            </a:solidFill>
-          </a:ln>
+            <a:off x="8191751" y="4534518"/>
+            <a:ext cx="1880935" cy="1532255"/>
+          </a:xfrm>
+          <a:prstGeom prst="roundRect">
+            <a:avLst/>
+          </a:prstGeom>
+          <a:noFill/>
         </p:spPr>
         <p:style>
           <a:lnRef idx="2">
-            <a:schemeClr val="accent1">
+            <a:schemeClr val="accent3">
               <a:shade val="50000"/>
             </a:schemeClr>
           </a:lnRef>
           <a:fillRef idx="1">
-            <a:schemeClr val="accent1"/>
+            <a:schemeClr val="accent3"/>
           </a:fillRef>
           <a:effectRef idx="0">
-            <a:schemeClr val="accent1"/>
+            <a:schemeClr val="accent3"/>
           </a:effectRef>
           <a:fontRef idx="minor">
             <a:schemeClr val="lt1"/>
@@ -13413,38 +13169,31 @@
       </p:sp>
       <p:sp>
         <p:nvSpPr>
-          <p:cNvPr id="24" name="포인트가 4개인 별 23"/>
+          <p:cNvPr id="31" name="모서리가 둥근 직사각형 30"/>
           <p:cNvSpPr/>
           <p:nvPr/>
         </p:nvSpPr>
         <p:spPr>
           <a:xfrm>
-            <a:off x="4360289" y="1419225"/>
-            <a:ext cx="394932" cy="609600"/>
-          </a:xfrm>
-          <a:prstGeom prst="star4">
-            <a:avLst/>
-          </a:prstGeom>
-          <a:solidFill>
-            <a:srgbClr val="FFFF00"/>
-          </a:solidFill>
-          <a:ln>
-            <a:solidFill>
-              <a:srgbClr val="FFFF00"/>
-            </a:solidFill>
-          </a:ln>
+            <a:off x="4437325" y="1724025"/>
+            <a:ext cx="1825362" cy="901089"/>
+          </a:xfrm>
+          <a:prstGeom prst="roundRect">
+            <a:avLst/>
+          </a:prstGeom>
+          <a:noFill/>
         </p:spPr>
         <p:style>
           <a:lnRef idx="2">
-            <a:schemeClr val="accent1">
+            <a:schemeClr val="accent3">
               <a:shade val="50000"/>
             </a:schemeClr>
           </a:lnRef>
           <a:fillRef idx="1">
-            <a:schemeClr val="accent1"/>
+            <a:schemeClr val="accent3"/>
           </a:fillRef>
           <a:effectRef idx="0">
-            <a:schemeClr val="accent1"/>
+            <a:schemeClr val="accent3"/>
           </a:effectRef>
           <a:fontRef idx="minor">
             <a:schemeClr val="lt1"/>
@@ -13461,38 +13210,31 @@
       </p:sp>
       <p:sp>
         <p:nvSpPr>
-          <p:cNvPr id="25" name="포인트가 4개인 별 24"/>
+          <p:cNvPr id="32" name="모서리가 둥근 직사각형 31"/>
           <p:cNvSpPr/>
           <p:nvPr/>
         </p:nvSpPr>
         <p:spPr>
           <a:xfrm>
-            <a:off x="2133955" y="3095625"/>
-            <a:ext cx="394932" cy="609600"/>
-          </a:xfrm>
-          <a:prstGeom prst="star4">
-            <a:avLst/>
-          </a:prstGeom>
-          <a:solidFill>
-            <a:srgbClr val="FFFF00"/>
-          </a:solidFill>
-          <a:ln>
-            <a:solidFill>
-              <a:srgbClr val="FFFF00"/>
-            </a:solidFill>
-          </a:ln>
+            <a:off x="2303776" y="3313696"/>
+            <a:ext cx="1295400" cy="762000"/>
+          </a:xfrm>
+          <a:prstGeom prst="roundRect">
+            <a:avLst/>
+          </a:prstGeom>
+          <a:noFill/>
         </p:spPr>
         <p:style>
           <a:lnRef idx="2">
-            <a:schemeClr val="accent1">
+            <a:schemeClr val="accent3">
               <a:shade val="50000"/>
             </a:schemeClr>
           </a:lnRef>
           <a:fillRef idx="1">
-            <a:schemeClr val="accent1"/>
+            <a:schemeClr val="accent3"/>
           </a:fillRef>
           <a:effectRef idx="0">
-            <a:schemeClr val="accent1"/>
+            <a:schemeClr val="accent3"/>
           </a:effectRef>
           <a:fontRef idx="minor">
             <a:schemeClr val="lt1"/>
@@ -13546,7 +13288,7 @@
                                           </p:stCondLst>
                                         </p:cTn>
                                         <p:tgtEl>
-                                          <p:spTgt spid="8"/>
+                                          <p:spTgt spid="5"/>
                                         </p:tgtEl>
                                         <p:attrNameLst>
                                           <p:attrName>style.visibility</p:attrName>
@@ -13562,7 +13304,7 @@
                                       <p:cBhvr override="childStyle">
                                         <p:cTn dur="1" fill="hold" display="0" masterRel="nextClick" afterEffect="1"/>
                                         <p:tgtEl>
-                                          <p:spTgt spid="8"/>
+                                          <p:spTgt spid="5"/>
                                         </p:tgtEl>
                                         <p:attrNameLst>
                                           <p:attrName>style.visibility</p:attrName>
@@ -13607,7 +13349,7 @@
                                           </p:stCondLst>
                                         </p:cTn>
                                         <p:tgtEl>
-                                          <p:spTgt spid="19"/>
+                                          <p:spTgt spid="26"/>
                                         </p:tgtEl>
                                         <p:attrNameLst>
                                           <p:attrName>style.visibility</p:attrName>
@@ -13623,7 +13365,7 @@
                                       <p:cBhvr override="childStyle">
                                         <p:cTn dur="1" fill="hold" display="0" masterRel="nextClick" afterEffect="1"/>
                                         <p:tgtEl>
-                                          <p:spTgt spid="19"/>
+                                          <p:spTgt spid="26"/>
                                         </p:tgtEl>
                                         <p:attrNameLst>
                                           <p:attrName>style.visibility</p:attrName>
@@ -13668,7 +13410,7 @@
                                           </p:stCondLst>
                                         </p:cTn>
                                         <p:tgtEl>
-                                          <p:spTgt spid="20"/>
+                                          <p:spTgt spid="27"/>
                                         </p:tgtEl>
                                         <p:attrNameLst>
                                           <p:attrName>style.visibility</p:attrName>
@@ -13684,7 +13426,7 @@
                                       <p:cBhvr override="childStyle">
                                         <p:cTn dur="1" fill="hold" display="0" masterRel="nextClick" afterEffect="1"/>
                                         <p:tgtEl>
-                                          <p:spTgt spid="20"/>
+                                          <p:spTgt spid="27"/>
                                         </p:tgtEl>
                                         <p:attrNameLst>
                                           <p:attrName>style.visibility</p:attrName>
@@ -13729,7 +13471,7 @@
                                           </p:stCondLst>
                                         </p:cTn>
                                         <p:tgtEl>
-                                          <p:spTgt spid="21"/>
+                                          <p:spTgt spid="28"/>
                                         </p:tgtEl>
                                         <p:attrNameLst>
                                           <p:attrName>style.visibility</p:attrName>
@@ -13745,7 +13487,7 @@
                                       <p:cBhvr override="childStyle">
                                         <p:cTn dur="1" fill="hold" display="0" masterRel="nextClick" afterEffect="1"/>
                                         <p:tgtEl>
-                                          <p:spTgt spid="21"/>
+                                          <p:spTgt spid="28"/>
                                         </p:tgtEl>
                                         <p:attrNameLst>
                                           <p:attrName>style.visibility</p:attrName>
@@ -13790,7 +13532,7 @@
                                           </p:stCondLst>
                                         </p:cTn>
                                         <p:tgtEl>
-                                          <p:spTgt spid="22"/>
+                                          <p:spTgt spid="29"/>
                                         </p:tgtEl>
                                         <p:attrNameLst>
                                           <p:attrName>style.visibility</p:attrName>
@@ -13806,7 +13548,7 @@
                                       <p:cBhvr override="childStyle">
                                         <p:cTn dur="1" fill="hold" display="0" masterRel="nextClick" afterEffect="1"/>
                                         <p:tgtEl>
-                                          <p:spTgt spid="22"/>
+                                          <p:spTgt spid="29"/>
                                         </p:tgtEl>
                                         <p:attrNameLst>
                                           <p:attrName>style.visibility</p:attrName>
@@ -13851,7 +13593,7 @@
                                           </p:stCondLst>
                                         </p:cTn>
                                         <p:tgtEl>
-                                          <p:spTgt spid="23"/>
+                                          <p:spTgt spid="30"/>
                                         </p:tgtEl>
                                         <p:attrNameLst>
                                           <p:attrName>style.visibility</p:attrName>
@@ -13867,7 +13609,7 @@
                                       <p:cBhvr override="childStyle">
                                         <p:cTn dur="1" fill="hold" display="0" masterRel="nextClick" afterEffect="1"/>
                                         <p:tgtEl>
-                                          <p:spTgt spid="23"/>
+                                          <p:spTgt spid="30"/>
                                         </p:tgtEl>
                                         <p:attrNameLst>
                                           <p:attrName>style.visibility</p:attrName>
@@ -13912,7 +13654,7 @@
                                           </p:stCondLst>
                                         </p:cTn>
                                         <p:tgtEl>
-                                          <p:spTgt spid="24"/>
+                                          <p:spTgt spid="31"/>
                                         </p:tgtEl>
                                         <p:attrNameLst>
                                           <p:attrName>style.visibility</p:attrName>
@@ -13928,7 +13670,7 @@
                                       <p:cBhvr override="childStyle">
                                         <p:cTn dur="1" fill="hold" display="0" masterRel="nextClick" afterEffect="1"/>
                                         <p:tgtEl>
-                                          <p:spTgt spid="24"/>
+                                          <p:spTgt spid="31"/>
                                         </p:tgtEl>
                                         <p:attrNameLst>
                                           <p:attrName>style.visibility</p:attrName>
@@ -13973,7 +13715,7 @@
                                           </p:stCondLst>
                                         </p:cTn>
                                         <p:tgtEl>
-                                          <p:spTgt spid="25"/>
+                                          <p:spTgt spid="32"/>
                                         </p:tgtEl>
                                         <p:attrNameLst>
                                           <p:attrName>style.visibility</p:attrName>
@@ -13989,7 +13731,7 @@
                                       <p:cBhvr override="childStyle">
                                         <p:cTn dur="1" fill="hold" display="0" masterRel="nextClick" afterEffect="1"/>
                                         <p:tgtEl>
-                                          <p:spTgt spid="25"/>
+                                          <p:spTgt spid="32"/>
                                         </p:tgtEl>
                                         <p:attrNameLst>
                                           <p:attrName>style.visibility</p:attrName>
@@ -14030,20 +13772,587 @@
       </p:par>
     </p:tnLst>
     <p:bldLst>
-      <p:bldP spid="8" grpId="0" animBg="1"/>
-      <p:bldP spid="19" grpId="0" animBg="1"/>
-      <p:bldP spid="20" grpId="0" animBg="1"/>
-      <p:bldP spid="21" grpId="0" animBg="1"/>
-      <p:bldP spid="22" grpId="0" animBg="1"/>
-      <p:bldP spid="23" grpId="0" animBg="1"/>
-      <p:bldP spid="24" grpId="0" animBg="1"/>
-      <p:bldP spid="25" grpId="0" animBg="1"/>
+      <p:bldP spid="5" grpId="0" animBg="1"/>
+      <p:bldP spid="26" grpId="0" animBg="1"/>
+      <p:bldP spid="27" grpId="0" animBg="1"/>
+      <p:bldP spid="28" grpId="0" animBg="1"/>
+      <p:bldP spid="29" grpId="0" animBg="1"/>
+      <p:bldP spid="30" grpId="0" animBg="1"/>
+      <p:bldP spid="31" grpId="0" animBg="1"/>
+      <p:bldP spid="32" grpId="0" animBg="1"/>
     </p:bldLst>
   </p:timing>
 </p:sld>
 </file>
 
 <file path=ppt/slides/slide26.xml><?xml version="1.0" encoding="utf-8"?>
+<p:sld xmlns:a="http://schemas.openxmlformats.org/drawingml/2006/main" xmlns:r="http://schemas.openxmlformats.org/officeDocument/2006/relationships" xmlns:p="http://schemas.openxmlformats.org/presentationml/2006/main">
+  <p:cSld>
+    <p:spTree>
+      <p:nvGrpSpPr>
+        <p:cNvPr id="1" name=""/>
+        <p:cNvGrpSpPr/>
+        <p:nvPr/>
+      </p:nvGrpSpPr>
+      <p:grpSpPr>
+        <a:xfrm>
+          <a:off x="0" y="0"/>
+          <a:ext cx="0" cy="0"/>
+          <a:chOff x="0" y="0"/>
+          <a:chExt cx="0" cy="0"/>
+        </a:xfrm>
+      </p:grpSpPr>
+      <p:grpSp>
+        <p:nvGrpSpPr>
+          <p:cNvPr id="1001" name="그룹 1001"/>
+          <p:cNvGrpSpPr/>
+          <p:nvPr/>
+        </p:nvGrpSpPr>
+        <p:grpSpPr>
+          <a:xfrm>
+            <a:off x="339061" y="1117653"/>
+            <a:ext cx="10039398" cy="5326599"/>
+            <a:chOff x="339061" y="1117653"/>
+            <a:chExt cx="10039398" cy="5326599"/>
+          </a:xfrm>
+        </p:grpSpPr>
+        <p:pic>
+          <p:nvPicPr>
+            <p:cNvPr id="3" name="Object 2"/>
+            <p:cNvPicPr>
+              <a:picLocks noChangeAspect="1"/>
+            </p:cNvPicPr>
+            <p:nvPr/>
+          </p:nvPicPr>
+          <p:blipFill>
+            <a:blip r:embed="rId2" cstate="print"/>
+            <a:stretch>
+              <a:fillRect/>
+            </a:stretch>
+          </p:blipFill>
+          <p:spPr>
+            <a:xfrm>
+              <a:off x="339061" y="1117653"/>
+              <a:ext cx="10039398" cy="5326599"/>
+            </a:xfrm>
+            <a:prstGeom prst="rect">
+              <a:avLst/>
+            </a:prstGeom>
+          </p:spPr>
+        </p:pic>
+      </p:grpSp>
+      <p:pic>
+        <p:nvPicPr>
+          <p:cNvPr id="5" name="Object 4"/>
+          <p:cNvPicPr>
+            <a:picLocks noChangeAspect="1"/>
+          </p:cNvPicPr>
+          <p:nvPr/>
+        </p:nvPicPr>
+        <p:blipFill>
+          <a:blip r:embed="rId3" cstate="print"/>
+          <a:stretch>
+            <a:fillRect/>
+          </a:stretch>
+        </p:blipFill>
+        <p:spPr>
+          <a:xfrm>
+            <a:off x="2061488" y="3480021"/>
+            <a:ext cx="6134268" cy="5079059"/>
+          </a:xfrm>
+          <a:prstGeom prst="rect">
+            <a:avLst/>
+          </a:prstGeom>
+        </p:spPr>
+      </p:pic>
+      <p:grpSp>
+        <p:nvGrpSpPr>
+          <p:cNvPr id="1002" name="그룹 1002"/>
+          <p:cNvGrpSpPr/>
+          <p:nvPr/>
+        </p:nvGrpSpPr>
+        <p:grpSpPr>
+          <a:xfrm>
+            <a:off x="3160870" y="4906470"/>
+            <a:ext cx="1081756" cy="1022260"/>
+            <a:chOff x="3160870" y="4906470"/>
+            <a:chExt cx="1081756" cy="1022260"/>
+          </a:xfrm>
+        </p:grpSpPr>
+        <p:pic>
+          <p:nvPicPr>
+            <p:cNvPr id="9" name="Object 8"/>
+            <p:cNvPicPr>
+              <a:picLocks noChangeAspect="1"/>
+            </p:cNvPicPr>
+            <p:nvPr/>
+          </p:nvPicPr>
+          <p:blipFill>
+            <a:blip r:embed="rId4" cstate="print"/>
+            <a:stretch>
+              <a:fillRect/>
+            </a:stretch>
+          </p:blipFill>
+          <p:spPr>
+            <a:xfrm rot="-840000">
+              <a:off x="3160870" y="4906470"/>
+              <a:ext cx="1081756" cy="1022260"/>
+            </a:xfrm>
+            <a:prstGeom prst="rect">
+              <a:avLst/>
+            </a:prstGeom>
+          </p:spPr>
+        </p:pic>
+      </p:grpSp>
+      <p:pic>
+        <p:nvPicPr>
+          <p:cNvPr id="2" name="그림 1"/>
+          <p:cNvPicPr>
+            <a:picLocks noChangeAspect="1"/>
+          </p:cNvPicPr>
+          <p:nvPr/>
+        </p:nvPicPr>
+        <p:blipFill>
+          <a:blip r:embed="rId5"/>
+          <a:stretch>
+            <a:fillRect/>
+          </a:stretch>
+        </p:blipFill>
+        <p:spPr>
+          <a:xfrm>
+            <a:off x="2986087" y="4585863"/>
+            <a:ext cx="4647818" cy="2824443"/>
+          </a:xfrm>
+          <a:prstGeom prst="rect">
+            <a:avLst/>
+          </a:prstGeom>
+        </p:spPr>
+      </p:pic>
+      <p:pic>
+        <p:nvPicPr>
+          <p:cNvPr id="4" name="그림 3"/>
+          <p:cNvPicPr>
+            <a:picLocks noChangeAspect="1"/>
+          </p:cNvPicPr>
+          <p:nvPr/>
+        </p:nvPicPr>
+        <p:blipFill>
+          <a:blip r:embed="rId6"/>
+          <a:stretch>
+            <a:fillRect/>
+          </a:stretch>
+        </p:blipFill>
+        <p:spPr>
+          <a:xfrm>
+            <a:off x="3769239" y="2105025"/>
+            <a:ext cx="3179041" cy="2166938"/>
+          </a:xfrm>
+          <a:prstGeom prst="rect">
+            <a:avLst/>
+          </a:prstGeom>
+        </p:spPr>
+      </p:pic>
+    </p:spTree>
+    <p:extLst>
+      <p:ext uri="{BB962C8B-B14F-4D97-AF65-F5344CB8AC3E}">
+        <p14:creationId xmlns:p14="http://schemas.microsoft.com/office/powerpoint/2010/main" val="3634078708"/>
+      </p:ext>
+    </p:extLst>
+  </p:cSld>
+  <p:clrMapOvr>
+    <a:masterClrMapping/>
+  </p:clrMapOvr>
+  <p:timing>
+    <p:tnLst>
+      <p:par>
+        <p:cTn id="1" dur="indefinite" restart="never" nodeType="tmRoot"/>
+      </p:par>
+    </p:tnLst>
+  </p:timing>
+</p:sld>
+</file>
+
+<file path=ppt/slides/slide27.xml><?xml version="1.0" encoding="utf-8"?>
+<p:sld xmlns:a="http://schemas.openxmlformats.org/drawingml/2006/main" xmlns:r="http://schemas.openxmlformats.org/officeDocument/2006/relationships" xmlns:p="http://schemas.openxmlformats.org/presentationml/2006/main">
+  <p:cSld>
+    <p:bg>
+      <p:bgPr>
+        <a:solidFill>
+          <a:srgbClr val="FFFFFF"/>
+        </a:solidFill>
+        <a:effectLst/>
+      </p:bgPr>
+    </p:bg>
+    <p:spTree>
+      <p:nvGrpSpPr>
+        <p:cNvPr id="1" name=""/>
+        <p:cNvGrpSpPr/>
+        <p:nvPr/>
+      </p:nvGrpSpPr>
+      <p:grpSpPr>
+        <a:xfrm>
+          <a:off x="0" y="0"/>
+          <a:ext cx="0" cy="0"/>
+          <a:chOff x="0" y="0"/>
+          <a:chExt cx="0" cy="0"/>
+        </a:xfrm>
+      </p:grpSpPr>
+      <p:grpSp>
+        <p:nvGrpSpPr>
+          <p:cNvPr id="1001" name="그룹 1001"/>
+          <p:cNvGrpSpPr/>
+          <p:nvPr/>
+        </p:nvGrpSpPr>
+        <p:grpSpPr>
+          <a:xfrm>
+            <a:off x="928688" y="570002"/>
+            <a:ext cx="8915399" cy="6365012"/>
+            <a:chOff x="4663522" y="570002"/>
+            <a:chExt cx="6903805" cy="6365012"/>
+          </a:xfrm>
+        </p:grpSpPr>
+        <p:pic>
+          <p:nvPicPr>
+            <p:cNvPr id="3" name="Object 2"/>
+            <p:cNvPicPr>
+              <a:picLocks noChangeAspect="1"/>
+            </p:cNvPicPr>
+            <p:nvPr/>
+          </p:nvPicPr>
+          <p:blipFill>
+            <a:blip r:embed="rId2" cstate="print"/>
+            <a:stretch>
+              <a:fillRect/>
+            </a:stretch>
+          </p:blipFill>
+          <p:spPr>
+            <a:xfrm>
+              <a:off x="4663522" y="570002"/>
+              <a:ext cx="6903805" cy="6365012"/>
+            </a:xfrm>
+            <a:prstGeom prst="rect">
+              <a:avLst/>
+            </a:prstGeom>
+          </p:spPr>
+        </p:pic>
+      </p:grpSp>
+      <p:pic>
+        <p:nvPicPr>
+          <p:cNvPr id="22" name="Object 21"/>
+          <p:cNvPicPr>
+            <a:picLocks noChangeAspect="1"/>
+          </p:cNvPicPr>
+          <p:nvPr/>
+        </p:nvPicPr>
+        <p:blipFill>
+          <a:blip r:embed="rId3" cstate="print"/>
+          <a:stretch>
+            <a:fillRect/>
+          </a:stretch>
+        </p:blipFill>
+        <p:spPr>
+          <a:xfrm>
+            <a:off x="2215966" y="2016283"/>
+            <a:ext cx="1131826" cy="467278"/>
+          </a:xfrm>
+          <a:prstGeom prst="rect">
+            <a:avLst/>
+          </a:prstGeom>
+        </p:spPr>
+      </p:pic>
+      <p:grpSp>
+        <p:nvGrpSpPr>
+          <p:cNvPr id="1006" name="그룹 1006"/>
+          <p:cNvGrpSpPr/>
+          <p:nvPr/>
+        </p:nvGrpSpPr>
+        <p:grpSpPr>
+          <a:xfrm>
+            <a:off x="1970591" y="2120261"/>
+            <a:ext cx="199461" cy="214674"/>
+            <a:chOff x="6270076" y="2956560"/>
+            <a:chExt cx="199461" cy="214674"/>
+          </a:xfrm>
+        </p:grpSpPr>
+        <p:pic>
+          <p:nvPicPr>
+            <p:cNvPr id="24" name="Object 23"/>
+            <p:cNvPicPr>
+              <a:picLocks noChangeAspect="1"/>
+            </p:cNvPicPr>
+            <p:nvPr/>
+          </p:nvPicPr>
+          <p:blipFill>
+            <a:blip r:embed="rId4" cstate="print"/>
+            <a:stretch>
+              <a:fillRect/>
+            </a:stretch>
+          </p:blipFill>
+          <p:spPr>
+            <a:xfrm>
+              <a:off x="6270076" y="2956560"/>
+              <a:ext cx="199461" cy="214674"/>
+            </a:xfrm>
+            <a:prstGeom prst="rect">
+              <a:avLst/>
+            </a:prstGeom>
+          </p:spPr>
+        </p:pic>
+      </p:grpSp>
+      <p:pic>
+        <p:nvPicPr>
+          <p:cNvPr id="26" name="Object 25"/>
+          <p:cNvPicPr>
+            <a:picLocks noChangeAspect="1"/>
+          </p:cNvPicPr>
+          <p:nvPr/>
+        </p:nvPicPr>
+        <p:blipFill>
+          <a:blip r:embed="rId5" cstate="print"/>
+          <a:stretch>
+            <a:fillRect/>
+          </a:stretch>
+        </p:blipFill>
+        <p:spPr>
+          <a:xfrm>
+            <a:off x="1919287" y="2486025"/>
+            <a:ext cx="2392674" cy="2993445"/>
+          </a:xfrm>
+          <a:prstGeom prst="rect">
+            <a:avLst/>
+          </a:prstGeom>
+        </p:spPr>
+      </p:pic>
+      <p:pic>
+        <p:nvPicPr>
+          <p:cNvPr id="29" name="Object 1"/>
+          <p:cNvPicPr>
+            <a:picLocks noChangeAspect="1"/>
+          </p:cNvPicPr>
+          <p:nvPr/>
+        </p:nvPicPr>
+        <p:blipFill>
+          <a:blip r:embed="rId6" cstate="print"/>
+          <a:stretch>
+            <a:fillRect/>
+          </a:stretch>
+        </p:blipFill>
+        <p:spPr>
+          <a:xfrm>
+            <a:off x="5413800" y="2044798"/>
+            <a:ext cx="796813" cy="481792"/>
+          </a:xfrm>
+          <a:prstGeom prst="rect">
+            <a:avLst/>
+          </a:prstGeom>
+        </p:spPr>
+      </p:pic>
+      <p:grpSp>
+        <p:nvGrpSpPr>
+          <p:cNvPr id="30" name="그룹 1001"/>
+          <p:cNvGrpSpPr/>
+          <p:nvPr/>
+        </p:nvGrpSpPr>
+        <p:grpSpPr>
+          <a:xfrm>
+            <a:off x="5190245" y="2139530"/>
+            <a:ext cx="181724" cy="195584"/>
+            <a:chOff x="3569316" y="4055222"/>
+            <a:chExt cx="181724" cy="195584"/>
+          </a:xfrm>
+        </p:grpSpPr>
+        <p:pic>
+          <p:nvPicPr>
+            <p:cNvPr id="31" name="Object 3"/>
+            <p:cNvPicPr>
+              <a:picLocks noChangeAspect="1"/>
+            </p:cNvPicPr>
+            <p:nvPr/>
+          </p:nvPicPr>
+          <p:blipFill>
+            <a:blip r:embed="rId7" cstate="print"/>
+            <a:stretch>
+              <a:fillRect/>
+            </a:stretch>
+          </p:blipFill>
+          <p:spPr>
+            <a:xfrm>
+              <a:off x="3569316" y="4055222"/>
+              <a:ext cx="181724" cy="195584"/>
+            </a:xfrm>
+            <a:prstGeom prst="rect">
+              <a:avLst/>
+            </a:prstGeom>
+          </p:spPr>
+        </p:pic>
+      </p:grpSp>
+      <p:pic>
+        <p:nvPicPr>
+          <p:cNvPr id="32" name="Object 5"/>
+          <p:cNvPicPr>
+            <a:picLocks noChangeAspect="1"/>
+          </p:cNvPicPr>
+          <p:nvPr/>
+        </p:nvPicPr>
+        <p:blipFill>
+          <a:blip r:embed="rId8" cstate="print"/>
+          <a:stretch>
+            <a:fillRect/>
+          </a:stretch>
+        </p:blipFill>
+        <p:spPr>
+          <a:xfrm>
+            <a:off x="5195887" y="2483561"/>
+            <a:ext cx="4110205" cy="3017710"/>
+          </a:xfrm>
+          <a:prstGeom prst="rect">
+            <a:avLst/>
+          </a:prstGeom>
+        </p:spPr>
+      </p:pic>
+    </p:spTree>
+    <p:extLst>
+      <p:ext uri="{BB962C8B-B14F-4D97-AF65-F5344CB8AC3E}">
+        <p14:creationId xmlns:p14="http://schemas.microsoft.com/office/powerpoint/2010/main" val="2787741401"/>
+      </p:ext>
+    </p:extLst>
+  </p:cSld>
+  <p:clrMapOvr>
+    <a:masterClrMapping/>
+  </p:clrMapOvr>
+  <p:timing>
+    <p:tnLst>
+      <p:par>
+        <p:cTn id="1" dur="indefinite" restart="never" nodeType="tmRoot">
+          <p:childTnLst>
+            <p:seq concurrent="1" nextAc="seek">
+              <p:cTn id="2" dur="indefinite" nodeType="mainSeq">
+                <p:childTnLst>
+                  <p:par>
+                    <p:cTn id="3" fill="hold">
+                      <p:stCondLst>
+                        <p:cond delay="indefinite"/>
+                      </p:stCondLst>
+                      <p:childTnLst>
+                        <p:par>
+                          <p:cTn id="4" fill="hold">
+                            <p:stCondLst>
+                              <p:cond delay="0"/>
+                            </p:stCondLst>
+                            <p:childTnLst>
+                              <p:par>
+                                <p:cTn id="5" presetID="1" presetClass="entr" presetSubtype="0" fill="hold" nodeType="clickEffect">
+                                  <p:stCondLst>
+                                    <p:cond delay="0"/>
+                                  </p:stCondLst>
+                                  <p:childTnLst>
+                                    <p:set>
+                                      <p:cBhvr>
+                                        <p:cTn id="6" dur="1" fill="hold">
+                                          <p:stCondLst>
+                                            <p:cond delay="0"/>
+                                          </p:stCondLst>
+                                        </p:cTn>
+                                        <p:tgtEl>
+                                          <p:spTgt spid="1006"/>
+                                        </p:tgtEl>
+                                        <p:attrNameLst>
+                                          <p:attrName>style.visibility</p:attrName>
+                                        </p:attrNameLst>
+                                      </p:cBhvr>
+                                      <p:to>
+                                        <p:strVal val="visible"/>
+                                      </p:to>
+                                    </p:set>
+                                  </p:childTnLst>
+                                </p:cTn>
+                              </p:par>
+                              <p:par>
+                                <p:cTn id="7" presetID="1" presetClass="entr" presetSubtype="0" fill="hold" nodeType="withEffect">
+                                  <p:stCondLst>
+                                    <p:cond delay="0"/>
+                                  </p:stCondLst>
+                                  <p:childTnLst>
+                                    <p:set>
+                                      <p:cBhvr>
+                                        <p:cTn id="8" dur="1" fill="hold">
+                                          <p:stCondLst>
+                                            <p:cond delay="0"/>
+                                          </p:stCondLst>
+                                        </p:cTn>
+                                        <p:tgtEl>
+                                          <p:spTgt spid="22"/>
+                                        </p:tgtEl>
+                                        <p:attrNameLst>
+                                          <p:attrName>style.visibility</p:attrName>
+                                        </p:attrNameLst>
+                                      </p:cBhvr>
+                                      <p:to>
+                                        <p:strVal val="visible"/>
+                                      </p:to>
+                                    </p:set>
+                                  </p:childTnLst>
+                                </p:cTn>
+                              </p:par>
+                              <p:par>
+                                <p:cTn id="9" presetID="1" presetClass="entr" presetSubtype="0" fill="hold" nodeType="withEffect">
+                                  <p:stCondLst>
+                                    <p:cond delay="0"/>
+                                  </p:stCondLst>
+                                  <p:childTnLst>
+                                    <p:set>
+                                      <p:cBhvr>
+                                        <p:cTn id="10" dur="1" fill="hold">
+                                          <p:stCondLst>
+                                            <p:cond delay="0"/>
+                                          </p:stCondLst>
+                                        </p:cTn>
+                                        <p:tgtEl>
+                                          <p:spTgt spid="26"/>
+                                        </p:tgtEl>
+                                        <p:attrNameLst>
+                                          <p:attrName>style.visibility</p:attrName>
+                                        </p:attrNameLst>
+                                      </p:cBhvr>
+                                      <p:to>
+                                        <p:strVal val="visible"/>
+                                      </p:to>
+                                    </p:set>
+                                  </p:childTnLst>
+                                </p:cTn>
+                              </p:par>
+                            </p:childTnLst>
+                          </p:cTn>
+                        </p:par>
+                      </p:childTnLst>
+                    </p:cTn>
+                  </p:par>
+                </p:childTnLst>
+              </p:cTn>
+              <p:prevCondLst>
+                <p:cond evt="onPrev" delay="0">
+                  <p:tgtEl>
+                    <p:sldTgt/>
+                  </p:tgtEl>
+                </p:cond>
+              </p:prevCondLst>
+              <p:nextCondLst>
+                <p:cond evt="onNext" delay="0">
+                  <p:tgtEl>
+                    <p:sldTgt/>
+                  </p:tgtEl>
+                </p:cond>
+              </p:nextCondLst>
+            </p:seq>
+          </p:childTnLst>
+        </p:cTn>
+      </p:par>
+    </p:tnLst>
+  </p:timing>
+</p:sld>
+</file>
+
+<file path=ppt/slides/slide28.xml><?xml version="1.0" encoding="utf-8"?>
 <p:sld xmlns:a="http://schemas.openxmlformats.org/drawingml/2006/main" xmlns:r="http://schemas.openxmlformats.org/officeDocument/2006/relationships" xmlns:p="http://schemas.openxmlformats.org/presentationml/2006/main">
   <p:cSld name="Slide 27">
     <p:bg>

--- a/기획/발표자료/온식고_PPT_최종.pptx
+++ b/기획/발표자료/온식고_PPT_최종.pptx
@@ -8,31 +8,32 @@
     <p:sldId id="256" r:id="rId2"/>
     <p:sldId id="257" r:id="rId3"/>
     <p:sldId id="258" r:id="rId4"/>
-    <p:sldId id="259" r:id="rId5"/>
-    <p:sldId id="260" r:id="rId6"/>
-    <p:sldId id="262" r:id="rId7"/>
-    <p:sldId id="263" r:id="rId8"/>
-    <p:sldId id="264" r:id="rId9"/>
-    <p:sldId id="265" r:id="rId10"/>
-    <p:sldId id="266" r:id="rId11"/>
-    <p:sldId id="267" r:id="rId12"/>
-    <p:sldId id="268" r:id="rId13"/>
-    <p:sldId id="269" r:id="rId14"/>
-    <p:sldId id="270" r:id="rId15"/>
-    <p:sldId id="271" r:id="rId16"/>
-    <p:sldId id="286" r:id="rId17"/>
-    <p:sldId id="273" r:id="rId18"/>
-    <p:sldId id="274" r:id="rId19"/>
-    <p:sldId id="275" r:id="rId20"/>
-    <p:sldId id="276" r:id="rId21"/>
-    <p:sldId id="277" r:id="rId22"/>
-    <p:sldId id="278" r:id="rId23"/>
-    <p:sldId id="279" r:id="rId24"/>
-    <p:sldId id="280" r:id="rId25"/>
-    <p:sldId id="281" r:id="rId26"/>
-    <p:sldId id="283" r:id="rId27"/>
-    <p:sldId id="285" r:id="rId28"/>
-    <p:sldId id="282" r:id="rId29"/>
+    <p:sldId id="287" r:id="rId5"/>
+    <p:sldId id="259" r:id="rId6"/>
+    <p:sldId id="260" r:id="rId7"/>
+    <p:sldId id="262" r:id="rId8"/>
+    <p:sldId id="263" r:id="rId9"/>
+    <p:sldId id="264" r:id="rId10"/>
+    <p:sldId id="265" r:id="rId11"/>
+    <p:sldId id="266" r:id="rId12"/>
+    <p:sldId id="267" r:id="rId13"/>
+    <p:sldId id="268" r:id="rId14"/>
+    <p:sldId id="269" r:id="rId15"/>
+    <p:sldId id="270" r:id="rId16"/>
+    <p:sldId id="271" r:id="rId17"/>
+    <p:sldId id="286" r:id="rId18"/>
+    <p:sldId id="273" r:id="rId19"/>
+    <p:sldId id="274" r:id="rId20"/>
+    <p:sldId id="275" r:id="rId21"/>
+    <p:sldId id="276" r:id="rId22"/>
+    <p:sldId id="277" r:id="rId23"/>
+    <p:sldId id="278" r:id="rId24"/>
+    <p:sldId id="279" r:id="rId25"/>
+    <p:sldId id="280" r:id="rId26"/>
+    <p:sldId id="281" r:id="rId27"/>
+    <p:sldId id="283" r:id="rId28"/>
+    <p:sldId id="285" r:id="rId29"/>
+    <p:sldId id="282" r:id="rId30"/>
   </p:sldIdLst>
   <p:sldSz cx="10696575" cy="7562850"/>
   <p:notesSz cx="7562850" cy="10696575"/>
@@ -331,7 +332,7 @@
           <a:p>
             <a:fld id="{F8166F1F-CE9B-4651-A6AA-CD717754106B}" type="datetimeFigureOut">
               <a:rPr lang="en-US" smtClean="0"/>
-              <a:t>7/28/2022</a:t>
+              <a:t>7/29/2022</a:t>
             </a:fld>
             <a:endParaRPr lang="en-US"/>
           </a:p>
@@ -496,7 +497,7 @@
           <a:p>
             <a:fld id="{A76116CE-C4A3-4A05-B2D7-7C2E9A889C0F}" type="datetimeFigureOut">
               <a:rPr lang="en-US" smtClean="0"/>
-              <a:t>7/28/2022</a:t>
+              <a:t>7/29/2022</a:t>
             </a:fld>
             <a:endParaRPr lang="en-US"/>
           </a:p>
@@ -671,7 +672,7 @@
           <a:p>
             <a:fld id="{A76116CE-C4A3-4A05-B2D7-7C2E9A889C0F}" type="datetimeFigureOut">
               <a:rPr lang="en-US" smtClean="0"/>
-              <a:t>7/28/2022</a:t>
+              <a:t>7/29/2022</a:t>
             </a:fld>
             <a:endParaRPr lang="en-US"/>
           </a:p>
@@ -838,7 +839,7 @@
           <a:p>
             <a:fld id="{A76116CE-C4A3-4A05-B2D7-7C2E9A889C0F}" type="datetimeFigureOut">
               <a:rPr lang="en-US" smtClean="0"/>
-              <a:t>7/28/2022</a:t>
+              <a:t>7/29/2022</a:t>
             </a:fld>
             <a:endParaRPr lang="en-US"/>
           </a:p>
@@ -1079,7 +1080,7 @@
           <a:p>
             <a:fld id="{A76116CE-C4A3-4A05-B2D7-7C2E9A889C0F}" type="datetimeFigureOut">
               <a:rPr lang="en-US" smtClean="0"/>
-              <a:t>7/28/2022</a:t>
+              <a:t>7/29/2022</a:t>
             </a:fld>
             <a:endParaRPr lang="en-US"/>
           </a:p>
@@ -1362,7 +1363,7 @@
           <a:p>
             <a:fld id="{A76116CE-C4A3-4A05-B2D7-7C2E9A889C0F}" type="datetimeFigureOut">
               <a:rPr lang="en-US" smtClean="0"/>
-              <a:t>7/28/2022</a:t>
+              <a:t>7/29/2022</a:t>
             </a:fld>
             <a:endParaRPr lang="en-US"/>
           </a:p>
@@ -1779,7 +1780,7 @@
           <a:p>
             <a:fld id="{A76116CE-C4A3-4A05-B2D7-7C2E9A889C0F}" type="datetimeFigureOut">
               <a:rPr lang="en-US" smtClean="0"/>
-              <a:t>7/28/2022</a:t>
+              <a:t>7/29/2022</a:t>
             </a:fld>
             <a:endParaRPr lang="en-US"/>
           </a:p>
@@ -1892,7 +1893,7 @@
           <a:p>
             <a:fld id="{A76116CE-C4A3-4A05-B2D7-7C2E9A889C0F}" type="datetimeFigureOut">
               <a:rPr lang="en-US" smtClean="0"/>
-              <a:t>7/28/2022</a:t>
+              <a:t>7/29/2022</a:t>
             </a:fld>
             <a:endParaRPr lang="en-US"/>
           </a:p>
@@ -1982,7 +1983,7 @@
           <a:p>
             <a:fld id="{A76116CE-C4A3-4A05-B2D7-7C2E9A889C0F}" type="datetimeFigureOut">
               <a:rPr lang="en-US" smtClean="0"/>
-              <a:t>7/28/2022</a:t>
+              <a:t>7/29/2022</a:t>
             </a:fld>
             <a:endParaRPr lang="en-US"/>
           </a:p>
@@ -2254,7 +2255,7 @@
           <a:p>
             <a:fld id="{A76116CE-C4A3-4A05-B2D7-7C2E9A889C0F}" type="datetimeFigureOut">
               <a:rPr lang="en-US" smtClean="0"/>
-              <a:t>7/28/2022</a:t>
+              <a:t>7/29/2022</a:t>
             </a:fld>
             <a:endParaRPr lang="en-US"/>
           </a:p>
@@ -2502,7 +2503,7 @@
           <a:p>
             <a:fld id="{A76116CE-C4A3-4A05-B2D7-7C2E9A889C0F}" type="datetimeFigureOut">
               <a:rPr lang="en-US" smtClean="0"/>
-              <a:t>7/28/2022</a:t>
+              <a:t>7/29/2022</a:t>
             </a:fld>
             <a:endParaRPr lang="en-US"/>
           </a:p>
@@ -2710,7 +2711,7 @@
           <a:p>
             <a:fld id="{F8166F1F-CE9B-4651-A6AA-CD717754106B}" type="datetimeFigureOut">
               <a:rPr lang="en-US" smtClean="0"/>
-              <a:t>7/28/2022</a:t>
+              <a:t>7/29/2022</a:t>
             </a:fld>
             <a:endParaRPr lang="en-US"/>
           </a:p>
@@ -3294,6 +3295,571 @@
 
 <file path=ppt/slides/slide10.xml><?xml version="1.0" encoding="utf-8"?>
 <p:sld xmlns:a="http://schemas.openxmlformats.org/drawingml/2006/main" xmlns:r="http://schemas.openxmlformats.org/officeDocument/2006/relationships" xmlns:p="http://schemas.openxmlformats.org/presentationml/2006/main">
+  <p:cSld name="Slide 10">
+    <p:bg>
+      <p:bgPr>
+        <a:solidFill>
+          <a:srgbClr val="FFFFFF"/>
+        </a:solidFill>
+        <a:effectLst/>
+      </p:bgPr>
+    </p:bg>
+    <p:spTree>
+      <p:nvGrpSpPr>
+        <p:cNvPr id="1" name=""/>
+        <p:cNvGrpSpPr/>
+        <p:nvPr/>
+      </p:nvGrpSpPr>
+      <p:grpSpPr>
+        <a:xfrm>
+          <a:off x="0" y="0"/>
+          <a:ext cx="0" cy="0"/>
+          <a:chOff x="0" y="0"/>
+          <a:chExt cx="0" cy="0"/>
+        </a:xfrm>
+      </p:grpSpPr>
+      <p:pic>
+        <p:nvPicPr>
+          <p:cNvPr id="2" name="Object 1"/>
+          <p:cNvPicPr>
+            <a:picLocks noChangeAspect="1"/>
+          </p:cNvPicPr>
+          <p:nvPr/>
+        </p:nvPicPr>
+        <p:blipFill>
+          <a:blip r:embed="rId2" cstate="print"/>
+          <a:stretch>
+            <a:fillRect/>
+          </a:stretch>
+        </p:blipFill>
+        <p:spPr>
+          <a:xfrm>
+            <a:off x="894129" y="510930"/>
+            <a:ext cx="2456401" cy="746177"/>
+          </a:xfrm>
+          <a:prstGeom prst="rect">
+            <a:avLst/>
+          </a:prstGeom>
+        </p:spPr>
+      </p:pic>
+      <p:pic>
+        <p:nvPicPr>
+          <p:cNvPr id="3" name="Object 2"/>
+          <p:cNvPicPr>
+            <a:picLocks noChangeAspect="1"/>
+          </p:cNvPicPr>
+          <p:nvPr/>
+        </p:nvPicPr>
+        <p:blipFill>
+          <a:blip r:embed="rId3" cstate="print"/>
+          <a:stretch>
+            <a:fillRect/>
+          </a:stretch>
+        </p:blipFill>
+        <p:spPr>
+          <a:xfrm>
+            <a:off x="969556" y="1591337"/>
+            <a:ext cx="723862" cy="241233"/>
+          </a:xfrm>
+          <a:prstGeom prst="rect">
+            <a:avLst/>
+          </a:prstGeom>
+        </p:spPr>
+      </p:pic>
+      <p:grpSp>
+        <p:nvGrpSpPr>
+          <p:cNvPr id="1001" name="그룹 1001"/>
+          <p:cNvGrpSpPr/>
+          <p:nvPr/>
+        </p:nvGrpSpPr>
+        <p:grpSpPr>
+          <a:xfrm>
+            <a:off x="112539" y="1160439"/>
+            <a:ext cx="1252144" cy="276873"/>
+            <a:chOff x="112539" y="1160439"/>
+            <a:chExt cx="1252144" cy="276873"/>
+          </a:xfrm>
+        </p:grpSpPr>
+        <p:pic>
+          <p:nvPicPr>
+            <p:cNvPr id="5" name="Object 4"/>
+            <p:cNvPicPr>
+              <a:picLocks noChangeAspect="1"/>
+            </p:cNvPicPr>
+            <p:nvPr/>
+          </p:nvPicPr>
+          <p:blipFill>
+            <a:blip r:embed="rId4" cstate="print"/>
+            <a:stretch>
+              <a:fillRect/>
+            </a:stretch>
+          </p:blipFill>
+          <p:spPr>
+            <a:xfrm rot="-16200000">
+              <a:off x="112539" y="1160439"/>
+              <a:ext cx="1252144" cy="276873"/>
+            </a:xfrm>
+            <a:prstGeom prst="rect">
+              <a:avLst/>
+            </a:prstGeom>
+          </p:spPr>
+        </p:pic>
+      </p:grpSp>
+      <p:pic>
+        <p:nvPicPr>
+          <p:cNvPr id="7" name="Object 6"/>
+          <p:cNvPicPr>
+            <a:picLocks noChangeAspect="1"/>
+          </p:cNvPicPr>
+          <p:nvPr/>
+        </p:nvPicPr>
+        <p:blipFill>
+          <a:blip r:embed="rId5" cstate="print"/>
+          <a:stretch>
+            <a:fillRect/>
+          </a:stretch>
+        </p:blipFill>
+        <p:spPr>
+          <a:xfrm>
+            <a:off x="1804322" y="2774714"/>
+            <a:ext cx="2998419" cy="3402857"/>
+          </a:xfrm>
+          <a:prstGeom prst="rect">
+            <a:avLst/>
+          </a:prstGeom>
+        </p:spPr>
+      </p:pic>
+      <p:grpSp>
+        <p:nvGrpSpPr>
+          <p:cNvPr id="1002" name="그룹 1002"/>
+          <p:cNvGrpSpPr/>
+          <p:nvPr/>
+        </p:nvGrpSpPr>
+        <p:grpSpPr>
+          <a:xfrm>
+            <a:off x="6239290" y="1825770"/>
+            <a:ext cx="3332948" cy="1623630"/>
+            <a:chOff x="6239290" y="1825770"/>
+            <a:chExt cx="3332948" cy="1623630"/>
+          </a:xfrm>
+        </p:grpSpPr>
+        <p:pic>
+          <p:nvPicPr>
+            <p:cNvPr id="9" name="Object 8"/>
+            <p:cNvPicPr>
+              <a:picLocks noChangeAspect="1"/>
+            </p:cNvPicPr>
+            <p:nvPr/>
+          </p:nvPicPr>
+          <p:blipFill>
+            <a:blip r:embed="rId6" cstate="print"/>
+            <a:stretch>
+              <a:fillRect/>
+            </a:stretch>
+          </p:blipFill>
+          <p:spPr>
+            <a:xfrm>
+              <a:off x="6239290" y="1825770"/>
+              <a:ext cx="3332948" cy="1623630"/>
+            </a:xfrm>
+            <a:prstGeom prst="rect">
+              <a:avLst/>
+            </a:prstGeom>
+          </p:spPr>
+        </p:pic>
+      </p:grpSp>
+      <p:grpSp>
+        <p:nvGrpSpPr>
+          <p:cNvPr id="1003" name="그룹 1003"/>
+          <p:cNvGrpSpPr/>
+          <p:nvPr/>
+        </p:nvGrpSpPr>
+        <p:grpSpPr>
+          <a:xfrm>
+            <a:off x="5035474" y="2354225"/>
+            <a:ext cx="1210545" cy="420489"/>
+            <a:chOff x="5035474" y="2354225"/>
+            <a:chExt cx="1210545" cy="420489"/>
+          </a:xfrm>
+        </p:grpSpPr>
+        <p:pic>
+          <p:nvPicPr>
+            <p:cNvPr id="12" name="Object 11"/>
+            <p:cNvPicPr>
+              <a:picLocks noChangeAspect="1"/>
+            </p:cNvPicPr>
+            <p:nvPr/>
+          </p:nvPicPr>
+          <p:blipFill>
+            <a:blip r:embed="rId7" cstate="print"/>
+            <a:stretch>
+              <a:fillRect/>
+            </a:stretch>
+          </p:blipFill>
+          <p:spPr>
+            <a:xfrm rot="10800000">
+              <a:off x="5035474" y="2354225"/>
+              <a:ext cx="1210545" cy="420489"/>
+            </a:xfrm>
+            <a:prstGeom prst="rect">
+              <a:avLst/>
+            </a:prstGeom>
+          </p:spPr>
+        </p:pic>
+      </p:grpSp>
+      <p:pic>
+        <p:nvPicPr>
+          <p:cNvPr id="14" name="Object 13"/>
+          <p:cNvPicPr>
+            <a:picLocks noChangeAspect="1"/>
+          </p:cNvPicPr>
+          <p:nvPr/>
+        </p:nvPicPr>
+        <p:blipFill>
+          <a:blip r:embed="rId8" cstate="print"/>
+          <a:stretch>
+            <a:fillRect/>
+          </a:stretch>
+        </p:blipFill>
+        <p:spPr>
+          <a:xfrm>
+            <a:off x="6626715" y="2069877"/>
+            <a:ext cx="2563540" cy="1208854"/>
+          </a:xfrm>
+          <a:prstGeom prst="rect">
+            <a:avLst/>
+          </a:prstGeom>
+        </p:spPr>
+      </p:pic>
+      <p:pic>
+        <p:nvPicPr>
+          <p:cNvPr id="15" name="Object 14"/>
+          <p:cNvPicPr>
+            <a:picLocks noChangeAspect="1"/>
+          </p:cNvPicPr>
+          <p:nvPr/>
+        </p:nvPicPr>
+        <p:blipFill>
+          <a:blip r:embed="rId9" cstate="print"/>
+          <a:stretch>
+            <a:fillRect/>
+          </a:stretch>
+        </p:blipFill>
+        <p:spPr>
+          <a:xfrm>
+            <a:off x="6282071" y="4035719"/>
+            <a:ext cx="1887288" cy="2141852"/>
+          </a:xfrm>
+          <a:prstGeom prst="rect">
+            <a:avLst/>
+          </a:prstGeom>
+        </p:spPr>
+      </p:pic>
+      <p:pic>
+        <p:nvPicPr>
+          <p:cNvPr id="16" name="Object 15"/>
+          <p:cNvPicPr>
+            <a:picLocks noChangeAspect="1"/>
+          </p:cNvPicPr>
+          <p:nvPr/>
+        </p:nvPicPr>
+        <p:blipFill>
+          <a:blip r:embed="rId10" cstate="print"/>
+          <a:stretch>
+            <a:fillRect/>
+          </a:stretch>
+        </p:blipFill>
+        <p:spPr>
+          <a:xfrm>
+            <a:off x="7410073" y="5038076"/>
+            <a:ext cx="1192917" cy="834841"/>
+          </a:xfrm>
+          <a:prstGeom prst="rect">
+            <a:avLst/>
+          </a:prstGeom>
+        </p:spPr>
+      </p:pic>
+      <p:grpSp>
+        <p:nvGrpSpPr>
+          <p:cNvPr id="1004" name="그룹 1004"/>
+          <p:cNvGrpSpPr/>
+          <p:nvPr/>
+        </p:nvGrpSpPr>
+        <p:grpSpPr>
+          <a:xfrm>
+            <a:off x="9572238" y="215321"/>
+            <a:ext cx="948673" cy="914965"/>
+            <a:chOff x="9572238" y="215321"/>
+            <a:chExt cx="948673" cy="914965"/>
+          </a:xfrm>
+        </p:grpSpPr>
+        <p:pic>
+          <p:nvPicPr>
+            <p:cNvPr id="18" name="Object 17"/>
+            <p:cNvPicPr>
+              <a:picLocks noChangeAspect="1"/>
+            </p:cNvPicPr>
+            <p:nvPr/>
+          </p:nvPicPr>
+          <p:blipFill>
+            <a:blip r:embed="rId11" cstate="print"/>
+            <a:stretch>
+              <a:fillRect/>
+            </a:stretch>
+          </p:blipFill>
+          <p:spPr>
+            <a:xfrm>
+              <a:off x="9572238" y="215321"/>
+              <a:ext cx="948673" cy="914965"/>
+            </a:xfrm>
+            <a:prstGeom prst="rect">
+              <a:avLst/>
+            </a:prstGeom>
+          </p:spPr>
+        </p:pic>
+      </p:grpSp>
+      <p:pic>
+        <p:nvPicPr>
+          <p:cNvPr id="20" name="Object 19"/>
+          <p:cNvPicPr>
+            <a:picLocks noChangeAspect="1"/>
+          </p:cNvPicPr>
+          <p:nvPr/>
+        </p:nvPicPr>
+        <p:blipFill>
+          <a:blip r:embed="rId12" cstate="print"/>
+          <a:stretch>
+            <a:fillRect/>
+          </a:stretch>
+        </p:blipFill>
+        <p:spPr>
+          <a:xfrm>
+            <a:off x="9862135" y="544822"/>
+            <a:ext cx="332968" cy="298902"/>
+          </a:xfrm>
+          <a:prstGeom prst="rect">
+            <a:avLst/>
+          </a:prstGeom>
+        </p:spPr>
+      </p:pic>
+      <p:sp>
+        <p:nvSpPr>
+          <p:cNvPr id="4" name="TextBox 3"/>
+          <p:cNvSpPr txBox="1"/>
+          <p:nvPr/>
+        </p:nvSpPr>
+        <p:spPr>
+          <a:xfrm>
+            <a:off x="7905764" y="5655912"/>
+            <a:ext cx="762000" cy="369332"/>
+          </a:xfrm>
+          <a:prstGeom prst="rect">
+            <a:avLst/>
+          </a:prstGeom>
+          <a:noFill/>
+        </p:spPr>
+        <p:txBody>
+          <a:bodyPr wrap="square" rtlCol="0">
+            <a:spAutoFit/>
+          </a:bodyPr>
+          <a:lstStyle/>
+          <a:p>
+            <a:r>
+              <a:rPr lang="en-US" altLang="ko-KR" dirty="0" smtClean="0"/>
+              <a:t>73%</a:t>
+            </a:r>
+            <a:endParaRPr lang="ko-KR" altLang="en-US" dirty="0"/>
+          </a:p>
+        </p:txBody>
+      </p:sp>
+      <p:sp>
+        <p:nvSpPr>
+          <p:cNvPr id="6" name="포인트가 5개인 별 5"/>
+          <p:cNvSpPr/>
+          <p:nvPr/>
+        </p:nvSpPr>
+        <p:spPr>
+          <a:xfrm>
+            <a:off x="2376487" y="4695825"/>
+            <a:ext cx="609600" cy="572149"/>
+          </a:xfrm>
+          <a:prstGeom prst="star5">
+            <a:avLst/>
+          </a:prstGeom>
+          <a:noFill/>
+          <a:ln>
+            <a:solidFill>
+              <a:srgbClr val="FFFF00"/>
+            </a:solidFill>
+          </a:ln>
+        </p:spPr>
+        <p:style>
+          <a:lnRef idx="2">
+            <a:schemeClr val="accent1">
+              <a:shade val="50000"/>
+            </a:schemeClr>
+          </a:lnRef>
+          <a:fillRef idx="1">
+            <a:schemeClr val="accent1"/>
+          </a:fillRef>
+          <a:effectRef idx="0">
+            <a:schemeClr val="accent1"/>
+          </a:effectRef>
+          <a:fontRef idx="minor">
+            <a:schemeClr val="lt1"/>
+          </a:fontRef>
+        </p:style>
+        <p:txBody>
+          <a:bodyPr rtlCol="0" anchor="ctr"/>
+          <a:lstStyle/>
+          <a:p>
+            <a:pPr algn="ctr"/>
+            <a:endParaRPr lang="ko-KR" altLang="en-US"/>
+          </a:p>
+        </p:txBody>
+      </p:sp>
+    </p:spTree>
+  </p:cSld>
+  <p:clrMapOvr>
+    <a:masterClrMapping/>
+  </p:clrMapOvr>
+  <p:timing>
+    <p:tnLst>
+      <p:par>
+        <p:cTn id="1" dur="indefinite" restart="never" nodeType="tmRoot">
+          <p:childTnLst>
+            <p:seq concurrent="1" nextAc="seek">
+              <p:cTn id="2" dur="indefinite" nodeType="mainSeq">
+                <p:childTnLst>
+                  <p:par>
+                    <p:cTn id="3" fill="hold">
+                      <p:stCondLst>
+                        <p:cond delay="indefinite"/>
+                      </p:stCondLst>
+                      <p:childTnLst>
+                        <p:par>
+                          <p:cTn id="4" fill="hold">
+                            <p:stCondLst>
+                              <p:cond delay="0"/>
+                            </p:stCondLst>
+                            <p:childTnLst>
+                              <p:par>
+                                <p:cTn id="5" presetID="1" presetClass="entr" presetSubtype="0" fill="hold" nodeType="clickEffect">
+                                  <p:stCondLst>
+                                    <p:cond delay="0"/>
+                                  </p:stCondLst>
+                                  <p:childTnLst>
+                                    <p:set>
+                                      <p:cBhvr>
+                                        <p:cTn id="6" dur="1" fill="hold">
+                                          <p:stCondLst>
+                                            <p:cond delay="0"/>
+                                          </p:stCondLst>
+                                        </p:cTn>
+                                        <p:tgtEl>
+                                          <p:spTgt spid="15"/>
+                                        </p:tgtEl>
+                                        <p:attrNameLst>
+                                          <p:attrName>style.visibility</p:attrName>
+                                        </p:attrNameLst>
+                                      </p:cBhvr>
+                                      <p:to>
+                                        <p:strVal val="visible"/>
+                                      </p:to>
+                                    </p:set>
+                                  </p:childTnLst>
+                                </p:cTn>
+                              </p:par>
+                              <p:par>
+                                <p:cTn id="7" presetID="1" presetClass="entr" presetSubtype="0" fill="hold" nodeType="withEffect">
+                                  <p:stCondLst>
+                                    <p:cond delay="0"/>
+                                  </p:stCondLst>
+                                  <p:childTnLst>
+                                    <p:set>
+                                      <p:cBhvr>
+                                        <p:cTn id="8" dur="1" fill="hold">
+                                          <p:stCondLst>
+                                            <p:cond delay="0"/>
+                                          </p:stCondLst>
+                                        </p:cTn>
+                                        <p:tgtEl>
+                                          <p:spTgt spid="16"/>
+                                        </p:tgtEl>
+                                        <p:attrNameLst>
+                                          <p:attrName>style.visibility</p:attrName>
+                                        </p:attrNameLst>
+                                      </p:cBhvr>
+                                      <p:to>
+                                        <p:strVal val="visible"/>
+                                      </p:to>
+                                    </p:set>
+                                  </p:childTnLst>
+                                </p:cTn>
+                              </p:par>
+                              <p:par>
+                                <p:cTn id="9" presetID="1" presetClass="entr" presetSubtype="0" fill="hold" grpId="0" nodeType="withEffect">
+                                  <p:stCondLst>
+                                    <p:cond delay="0"/>
+                                  </p:stCondLst>
+                                  <p:childTnLst>
+                                    <p:set>
+                                      <p:cBhvr>
+                                        <p:cTn id="10" dur="1" fill="hold">
+                                          <p:stCondLst>
+                                            <p:cond delay="0"/>
+                                          </p:stCondLst>
+                                        </p:cTn>
+                                        <p:tgtEl>
+                                          <p:spTgt spid="4"/>
+                                        </p:tgtEl>
+                                        <p:attrNameLst>
+                                          <p:attrName>style.visibility</p:attrName>
+                                        </p:attrNameLst>
+                                      </p:cBhvr>
+                                      <p:to>
+                                        <p:strVal val="visible"/>
+                                      </p:to>
+                                    </p:set>
+                                  </p:childTnLst>
+                                </p:cTn>
+                              </p:par>
+                            </p:childTnLst>
+                          </p:cTn>
+                        </p:par>
+                      </p:childTnLst>
+                    </p:cTn>
+                  </p:par>
+                </p:childTnLst>
+              </p:cTn>
+              <p:prevCondLst>
+                <p:cond evt="onPrev" delay="0">
+                  <p:tgtEl>
+                    <p:sldTgt/>
+                  </p:tgtEl>
+                </p:cond>
+              </p:prevCondLst>
+              <p:nextCondLst>
+                <p:cond evt="onNext" delay="0">
+                  <p:tgtEl>
+                    <p:sldTgt/>
+                  </p:tgtEl>
+                </p:cond>
+              </p:nextCondLst>
+            </p:seq>
+          </p:childTnLst>
+        </p:cTn>
+      </p:par>
+    </p:tnLst>
+    <p:bldLst>
+      <p:bldP spid="4" grpId="0"/>
+    </p:bldLst>
+  </p:timing>
+</p:sld>
+</file>
+
+<file path=ppt/slides/slide11.xml><?xml version="1.0" encoding="utf-8"?>
+<p:sld xmlns:a="http://schemas.openxmlformats.org/drawingml/2006/main" xmlns:r="http://schemas.openxmlformats.org/officeDocument/2006/relationships" xmlns:p="http://schemas.openxmlformats.org/presentationml/2006/main">
   <p:cSld name="Slide 11">
     <p:bg>
       <p:bgPr>
@@ -3569,7 +4135,7 @@
 </p:sld>
 </file>
 
-<file path=ppt/slides/slide11.xml><?xml version="1.0" encoding="utf-8"?>
+<file path=ppt/slides/slide12.xml><?xml version="1.0" encoding="utf-8"?>
 <p:sld xmlns:a="http://schemas.openxmlformats.org/drawingml/2006/main" xmlns:r="http://schemas.openxmlformats.org/officeDocument/2006/relationships" xmlns:p="http://schemas.openxmlformats.org/presentationml/2006/main">
   <p:cSld name="Slide 12">
     <p:bg>
@@ -4074,7 +4640,7 @@
 </p:sld>
 </file>
 
-<file path=ppt/slides/slide12.xml><?xml version="1.0" encoding="utf-8"?>
+<file path=ppt/slides/slide13.xml><?xml version="1.0" encoding="utf-8"?>
 <p:sld xmlns:a="http://schemas.openxmlformats.org/drawingml/2006/main" xmlns:r="http://schemas.openxmlformats.org/officeDocument/2006/relationships" xmlns:p="http://schemas.openxmlformats.org/presentationml/2006/main">
   <p:cSld name="Slide 13">
     <p:bg>
@@ -4351,7 +4917,7 @@
 </p:sld>
 </file>
 
-<file path=ppt/slides/slide13.xml><?xml version="1.0" encoding="utf-8"?>
+<file path=ppt/slides/slide14.xml><?xml version="1.0" encoding="utf-8"?>
 <p:sld xmlns:a="http://schemas.openxmlformats.org/drawingml/2006/main" xmlns:r="http://schemas.openxmlformats.org/officeDocument/2006/relationships" xmlns:p="http://schemas.openxmlformats.org/presentationml/2006/main">
   <p:cSld name="Slide 14">
     <p:bg>
@@ -5096,7 +5662,7 @@
 </p:sld>
 </file>
 
-<file path=ppt/slides/slide14.xml><?xml version="1.0" encoding="utf-8"?>
+<file path=ppt/slides/slide15.xml><?xml version="1.0" encoding="utf-8"?>
 <p:sld xmlns:a="http://schemas.openxmlformats.org/drawingml/2006/main" xmlns:r="http://schemas.openxmlformats.org/officeDocument/2006/relationships" xmlns:p="http://schemas.openxmlformats.org/presentationml/2006/main">
   <p:cSld name="Slide 15">
     <p:bg>
@@ -5684,7 +6250,7 @@
 </p:sld>
 </file>
 
-<file path=ppt/slides/slide15.xml><?xml version="1.0" encoding="utf-8"?>
+<file path=ppt/slides/slide16.xml><?xml version="1.0" encoding="utf-8"?>
 <p:sld xmlns:a="http://schemas.openxmlformats.org/drawingml/2006/main" xmlns:r="http://schemas.openxmlformats.org/officeDocument/2006/relationships" xmlns:p="http://schemas.openxmlformats.org/presentationml/2006/main">
   <p:cSld name="Slide 16">
     <p:bg>
@@ -6659,7 +7225,7 @@
 </p:sld>
 </file>
 
-<file path=ppt/slides/slide16.xml><?xml version="1.0" encoding="utf-8"?>
+<file path=ppt/slides/slide17.xml><?xml version="1.0" encoding="utf-8"?>
 <p:sld xmlns:a="http://schemas.openxmlformats.org/drawingml/2006/main" xmlns:r="http://schemas.openxmlformats.org/officeDocument/2006/relationships" xmlns:p="http://schemas.openxmlformats.org/presentationml/2006/main">
   <p:cSld>
     <p:spTree>
@@ -7175,7 +7741,7 @@
 </p:sld>
 </file>
 
-<file path=ppt/slides/slide17.xml><?xml version="1.0" encoding="utf-8"?>
+<file path=ppt/slides/slide18.xml><?xml version="1.0" encoding="utf-8"?>
 <p:sld xmlns:a="http://schemas.openxmlformats.org/drawingml/2006/main" xmlns:r="http://schemas.openxmlformats.org/officeDocument/2006/relationships" xmlns:p="http://schemas.openxmlformats.org/presentationml/2006/main">
   <p:cSld name="Slide 18">
     <p:bg>
@@ -7404,7 +7970,7 @@
 </p:sld>
 </file>
 
-<file path=ppt/slides/slide18.xml><?xml version="1.0" encoding="utf-8"?>
+<file path=ppt/slides/slide19.xml><?xml version="1.0" encoding="utf-8"?>
 <p:sld xmlns:a="http://schemas.openxmlformats.org/drawingml/2006/main" xmlns:r="http://schemas.openxmlformats.org/officeDocument/2006/relationships" xmlns:p="http://schemas.openxmlformats.org/presentationml/2006/main">
   <p:cSld name="Slide 19">
     <p:bg>
@@ -7839,7 +8405,863 @@
 </p:sld>
 </file>
 
-<file path=ppt/slides/slide19.xml><?xml version="1.0" encoding="utf-8"?>
+<file path=ppt/slides/slide2.xml><?xml version="1.0" encoding="utf-8"?>
+<p:sld xmlns:a="http://schemas.openxmlformats.org/drawingml/2006/main" xmlns:r="http://schemas.openxmlformats.org/officeDocument/2006/relationships" xmlns:p="http://schemas.openxmlformats.org/presentationml/2006/main">
+  <p:cSld name="Slide 2">
+    <p:bg>
+      <p:bgPr>
+        <a:solidFill>
+          <a:srgbClr val="FFFFFF"/>
+        </a:solidFill>
+        <a:effectLst/>
+      </p:bgPr>
+    </p:bg>
+    <p:spTree>
+      <p:nvGrpSpPr>
+        <p:cNvPr id="1" name=""/>
+        <p:cNvGrpSpPr/>
+        <p:nvPr/>
+      </p:nvGrpSpPr>
+      <p:grpSpPr>
+        <a:xfrm>
+          <a:off x="0" y="0"/>
+          <a:ext cx="0" cy="0"/>
+          <a:chOff x="0" y="0"/>
+          <a:chExt cx="0" cy="0"/>
+        </a:xfrm>
+      </p:grpSpPr>
+      <p:grpSp>
+        <p:nvGrpSpPr>
+          <p:cNvPr id="1001" name="그룹 1001"/>
+          <p:cNvGrpSpPr/>
+          <p:nvPr/>
+        </p:nvGrpSpPr>
+        <p:grpSpPr>
+          <a:xfrm>
+            <a:off x="339061" y="1117653"/>
+            <a:ext cx="10039398" cy="5326599"/>
+            <a:chOff x="339061" y="1117653"/>
+            <a:chExt cx="10039398" cy="5326599"/>
+          </a:xfrm>
+        </p:grpSpPr>
+        <p:pic>
+          <p:nvPicPr>
+            <p:cNvPr id="3" name="Object 2"/>
+            <p:cNvPicPr>
+              <a:picLocks noChangeAspect="1"/>
+            </p:cNvPicPr>
+            <p:nvPr/>
+          </p:nvPicPr>
+          <p:blipFill>
+            <a:blip r:embed="rId2" cstate="print"/>
+            <a:stretch>
+              <a:fillRect/>
+            </a:stretch>
+          </p:blipFill>
+          <p:spPr>
+            <a:xfrm>
+              <a:off x="339061" y="1117653"/>
+              <a:ext cx="10039398" cy="5326599"/>
+            </a:xfrm>
+            <a:prstGeom prst="rect">
+              <a:avLst/>
+            </a:prstGeom>
+          </p:spPr>
+        </p:pic>
+      </p:grpSp>
+      <p:pic>
+        <p:nvPicPr>
+          <p:cNvPr id="5" name="Object 4"/>
+          <p:cNvPicPr>
+            <a:picLocks noChangeAspect="1"/>
+          </p:cNvPicPr>
+          <p:nvPr/>
+        </p:nvPicPr>
+        <p:blipFill>
+          <a:blip r:embed="rId3" cstate="print"/>
+          <a:stretch>
+            <a:fillRect/>
+          </a:stretch>
+        </p:blipFill>
+        <p:spPr>
+          <a:xfrm>
+            <a:off x="439355" y="2375753"/>
+            <a:ext cx="1812149" cy="3104254"/>
+          </a:xfrm>
+          <a:prstGeom prst="rect">
+            <a:avLst/>
+          </a:prstGeom>
+        </p:spPr>
+      </p:pic>
+      <p:pic>
+        <p:nvPicPr>
+          <p:cNvPr id="6" name="Object 5"/>
+          <p:cNvPicPr>
+            <a:picLocks noChangeAspect="1"/>
+          </p:cNvPicPr>
+          <p:nvPr/>
+        </p:nvPicPr>
+        <p:blipFill>
+          <a:blip r:embed="rId4" cstate="print"/>
+          <a:stretch>
+            <a:fillRect/>
+          </a:stretch>
+        </p:blipFill>
+        <p:spPr>
+          <a:xfrm>
+            <a:off x="2061293" y="2375753"/>
+            <a:ext cx="2131606" cy="2833273"/>
+          </a:xfrm>
+          <a:prstGeom prst="rect">
+            <a:avLst/>
+          </a:prstGeom>
+        </p:spPr>
+      </p:pic>
+      <p:pic>
+        <p:nvPicPr>
+          <p:cNvPr id="7" name="Object 6"/>
+          <p:cNvPicPr>
+            <a:picLocks noChangeAspect="1"/>
+          </p:cNvPicPr>
+          <p:nvPr/>
+        </p:nvPicPr>
+        <p:blipFill>
+          <a:blip r:embed="rId5" cstate="print"/>
+          <a:stretch>
+            <a:fillRect/>
+          </a:stretch>
+        </p:blipFill>
+        <p:spPr>
+          <a:xfrm>
+            <a:off x="3555048" y="2375753"/>
+            <a:ext cx="2147949" cy="2747558"/>
+          </a:xfrm>
+          <a:prstGeom prst="rect">
+            <a:avLst/>
+          </a:prstGeom>
+        </p:spPr>
+      </p:pic>
+      <p:pic>
+        <p:nvPicPr>
+          <p:cNvPr id="8" name="Object 7"/>
+          <p:cNvPicPr>
+            <a:picLocks noChangeAspect="1"/>
+          </p:cNvPicPr>
+          <p:nvPr/>
+        </p:nvPicPr>
+        <p:blipFill>
+          <a:blip r:embed="rId6" cstate="print"/>
+          <a:stretch>
+            <a:fillRect/>
+          </a:stretch>
+        </p:blipFill>
+        <p:spPr>
+          <a:xfrm>
+            <a:off x="5102216" y="2375749"/>
+            <a:ext cx="2029071" cy="3104251"/>
+          </a:xfrm>
+          <a:prstGeom prst="rect">
+            <a:avLst/>
+          </a:prstGeom>
+        </p:spPr>
+      </p:pic>
+      <p:pic>
+        <p:nvPicPr>
+          <p:cNvPr id="9" name="Object 8"/>
+          <p:cNvPicPr>
+            <a:picLocks noChangeAspect="1"/>
+          </p:cNvPicPr>
+          <p:nvPr/>
+        </p:nvPicPr>
+        <p:blipFill>
+          <a:blip r:embed="rId7" cstate="print"/>
+          <a:stretch>
+            <a:fillRect/>
+          </a:stretch>
+        </p:blipFill>
+        <p:spPr>
+          <a:xfrm>
+            <a:off x="6670742" y="2375753"/>
+            <a:ext cx="2268683" cy="2747558"/>
+          </a:xfrm>
+          <a:prstGeom prst="rect">
+            <a:avLst/>
+          </a:prstGeom>
+        </p:spPr>
+      </p:pic>
+      <p:pic>
+        <p:nvPicPr>
+          <p:cNvPr id="10" name="Object 9"/>
+          <p:cNvPicPr>
+            <a:picLocks noChangeAspect="1"/>
+          </p:cNvPicPr>
+          <p:nvPr/>
+        </p:nvPicPr>
+        <p:blipFill>
+          <a:blip r:embed="rId8" cstate="print"/>
+          <a:stretch>
+            <a:fillRect/>
+          </a:stretch>
+        </p:blipFill>
+        <p:spPr>
+          <a:xfrm>
+            <a:off x="8281998" y="2375753"/>
+            <a:ext cx="2211644" cy="2754330"/>
+          </a:xfrm>
+          <a:prstGeom prst="rect">
+            <a:avLst/>
+          </a:prstGeom>
+        </p:spPr>
+      </p:pic>
+      <p:grpSp>
+        <p:nvGrpSpPr>
+          <p:cNvPr id="1002" name="그룹 1002"/>
+          <p:cNvGrpSpPr/>
+          <p:nvPr/>
+        </p:nvGrpSpPr>
+        <p:grpSpPr>
+          <a:xfrm>
+            <a:off x="780945" y="4923956"/>
+            <a:ext cx="1260462" cy="276873"/>
+            <a:chOff x="780945" y="4923956"/>
+            <a:chExt cx="1260462" cy="276873"/>
+          </a:xfrm>
+        </p:grpSpPr>
+        <p:pic>
+          <p:nvPicPr>
+            <p:cNvPr id="12" name="Object 11"/>
+            <p:cNvPicPr>
+              <a:picLocks noChangeAspect="1"/>
+            </p:cNvPicPr>
+            <p:nvPr/>
+          </p:nvPicPr>
+          <p:blipFill>
+            <a:blip r:embed="rId9" cstate="print"/>
+            <a:stretch>
+              <a:fillRect/>
+            </a:stretch>
+          </p:blipFill>
+          <p:spPr>
+            <a:xfrm>
+              <a:off x="780945" y="4923956"/>
+              <a:ext cx="1260462" cy="276873"/>
+            </a:xfrm>
+            <a:prstGeom prst="rect">
+              <a:avLst/>
+            </a:prstGeom>
+          </p:spPr>
+        </p:pic>
+      </p:grpSp>
+      <p:grpSp>
+        <p:nvGrpSpPr>
+          <p:cNvPr id="1003" name="그룹 1003"/>
+          <p:cNvGrpSpPr/>
+          <p:nvPr/>
+        </p:nvGrpSpPr>
+        <p:grpSpPr>
+          <a:xfrm>
+            <a:off x="2355883" y="4923956"/>
+            <a:ext cx="1260462" cy="276873"/>
+            <a:chOff x="2355883" y="4923956"/>
+            <a:chExt cx="1260462" cy="276873"/>
+          </a:xfrm>
+        </p:grpSpPr>
+        <p:pic>
+          <p:nvPicPr>
+            <p:cNvPr id="15" name="Object 14"/>
+            <p:cNvPicPr>
+              <a:picLocks noChangeAspect="1"/>
+            </p:cNvPicPr>
+            <p:nvPr/>
+          </p:nvPicPr>
+          <p:blipFill>
+            <a:blip r:embed="rId9" cstate="print"/>
+            <a:stretch>
+              <a:fillRect/>
+            </a:stretch>
+          </p:blipFill>
+          <p:spPr>
+            <a:xfrm>
+              <a:off x="2355883" y="4923956"/>
+              <a:ext cx="1260462" cy="276873"/>
+            </a:xfrm>
+            <a:prstGeom prst="rect">
+              <a:avLst/>
+            </a:prstGeom>
+          </p:spPr>
+        </p:pic>
+      </p:grpSp>
+      <p:grpSp>
+        <p:nvGrpSpPr>
+          <p:cNvPr id="1004" name="그룹 1004"/>
+          <p:cNvGrpSpPr/>
+          <p:nvPr/>
+        </p:nvGrpSpPr>
+        <p:grpSpPr>
+          <a:xfrm>
+            <a:off x="3930820" y="4923956"/>
+            <a:ext cx="1260462" cy="276873"/>
+            <a:chOff x="3930820" y="4923956"/>
+            <a:chExt cx="1260462" cy="276873"/>
+          </a:xfrm>
+        </p:grpSpPr>
+        <p:pic>
+          <p:nvPicPr>
+            <p:cNvPr id="18" name="Object 17"/>
+            <p:cNvPicPr>
+              <a:picLocks noChangeAspect="1"/>
+            </p:cNvPicPr>
+            <p:nvPr/>
+          </p:nvPicPr>
+          <p:blipFill>
+            <a:blip r:embed="rId9" cstate="print"/>
+            <a:stretch>
+              <a:fillRect/>
+            </a:stretch>
+          </p:blipFill>
+          <p:spPr>
+            <a:xfrm>
+              <a:off x="3930820" y="4923956"/>
+              <a:ext cx="1260462" cy="276873"/>
+            </a:xfrm>
+            <a:prstGeom prst="rect">
+              <a:avLst/>
+            </a:prstGeom>
+          </p:spPr>
+        </p:pic>
+      </p:grpSp>
+      <p:grpSp>
+        <p:nvGrpSpPr>
+          <p:cNvPr id="1005" name="그룹 1005"/>
+          <p:cNvGrpSpPr/>
+          <p:nvPr/>
+        </p:nvGrpSpPr>
+        <p:grpSpPr>
+          <a:xfrm>
+            <a:off x="5505758" y="4923956"/>
+            <a:ext cx="1260462" cy="276873"/>
+            <a:chOff x="5505758" y="4923956"/>
+            <a:chExt cx="1260462" cy="276873"/>
+          </a:xfrm>
+        </p:grpSpPr>
+        <p:pic>
+          <p:nvPicPr>
+            <p:cNvPr id="21" name="Object 20"/>
+            <p:cNvPicPr>
+              <a:picLocks noChangeAspect="1"/>
+            </p:cNvPicPr>
+            <p:nvPr/>
+          </p:nvPicPr>
+          <p:blipFill>
+            <a:blip r:embed="rId9" cstate="print"/>
+            <a:stretch>
+              <a:fillRect/>
+            </a:stretch>
+          </p:blipFill>
+          <p:spPr>
+            <a:xfrm>
+              <a:off x="5505758" y="4923956"/>
+              <a:ext cx="1260462" cy="276873"/>
+            </a:xfrm>
+            <a:prstGeom prst="rect">
+              <a:avLst/>
+            </a:prstGeom>
+          </p:spPr>
+        </p:pic>
+      </p:grpSp>
+      <p:grpSp>
+        <p:nvGrpSpPr>
+          <p:cNvPr id="1006" name="그룹 1006"/>
+          <p:cNvGrpSpPr/>
+          <p:nvPr/>
+        </p:nvGrpSpPr>
+        <p:grpSpPr>
+          <a:xfrm>
+            <a:off x="7080695" y="4923956"/>
+            <a:ext cx="1260462" cy="276873"/>
+            <a:chOff x="7080695" y="4923956"/>
+            <a:chExt cx="1260462" cy="276873"/>
+          </a:xfrm>
+        </p:grpSpPr>
+        <p:pic>
+          <p:nvPicPr>
+            <p:cNvPr id="24" name="Object 23"/>
+            <p:cNvPicPr>
+              <a:picLocks noChangeAspect="1"/>
+            </p:cNvPicPr>
+            <p:nvPr/>
+          </p:nvPicPr>
+          <p:blipFill>
+            <a:blip r:embed="rId9" cstate="print"/>
+            <a:stretch>
+              <a:fillRect/>
+            </a:stretch>
+          </p:blipFill>
+          <p:spPr>
+            <a:xfrm>
+              <a:off x="7080695" y="4923956"/>
+              <a:ext cx="1260462" cy="276873"/>
+            </a:xfrm>
+            <a:prstGeom prst="rect">
+              <a:avLst/>
+            </a:prstGeom>
+          </p:spPr>
+        </p:pic>
+      </p:grpSp>
+      <p:grpSp>
+        <p:nvGrpSpPr>
+          <p:cNvPr id="1007" name="그룹 1007"/>
+          <p:cNvGrpSpPr/>
+          <p:nvPr/>
+        </p:nvGrpSpPr>
+        <p:grpSpPr>
+          <a:xfrm>
+            <a:off x="8655633" y="4923956"/>
+            <a:ext cx="1260462" cy="276873"/>
+            <a:chOff x="8655633" y="4923956"/>
+            <a:chExt cx="1260462" cy="276873"/>
+          </a:xfrm>
+        </p:grpSpPr>
+        <p:pic>
+          <p:nvPicPr>
+            <p:cNvPr id="27" name="Object 26"/>
+            <p:cNvPicPr>
+              <a:picLocks noChangeAspect="1"/>
+            </p:cNvPicPr>
+            <p:nvPr/>
+          </p:nvPicPr>
+          <p:blipFill>
+            <a:blip r:embed="rId9" cstate="print"/>
+            <a:stretch>
+              <a:fillRect/>
+            </a:stretch>
+          </p:blipFill>
+          <p:spPr>
+            <a:xfrm>
+              <a:off x="8655633" y="4923956"/>
+              <a:ext cx="1260462" cy="276873"/>
+            </a:xfrm>
+            <a:prstGeom prst="rect">
+              <a:avLst/>
+            </a:prstGeom>
+          </p:spPr>
+        </p:pic>
+      </p:grpSp>
+      <p:pic>
+        <p:nvPicPr>
+          <p:cNvPr id="29" name="Object 28"/>
+          <p:cNvPicPr>
+            <a:picLocks noChangeAspect="1"/>
+          </p:cNvPicPr>
+          <p:nvPr/>
+        </p:nvPicPr>
+        <p:blipFill>
+          <a:blip r:embed="rId10" cstate="print"/>
+          <a:stretch>
+            <a:fillRect/>
+          </a:stretch>
+        </p:blipFill>
+        <p:spPr>
+          <a:xfrm>
+            <a:off x="756479" y="4618288"/>
+            <a:ext cx="1347036" cy="354704"/>
+          </a:xfrm>
+          <a:prstGeom prst="rect">
+            <a:avLst/>
+          </a:prstGeom>
+        </p:spPr>
+      </p:pic>
+      <p:pic>
+        <p:nvPicPr>
+          <p:cNvPr id="30" name="Object 29"/>
+          <p:cNvPicPr>
+            <a:picLocks noChangeAspect="1"/>
+          </p:cNvPicPr>
+          <p:nvPr/>
+        </p:nvPicPr>
+        <p:blipFill>
+          <a:blip r:embed="rId11" cstate="print"/>
+          <a:stretch>
+            <a:fillRect/>
+          </a:stretch>
+        </p:blipFill>
+        <p:spPr>
+          <a:xfrm>
+            <a:off x="2341364" y="4618288"/>
+            <a:ext cx="1094827" cy="354704"/>
+          </a:xfrm>
+          <a:prstGeom prst="rect">
+            <a:avLst/>
+          </a:prstGeom>
+        </p:spPr>
+      </p:pic>
+      <p:pic>
+        <p:nvPicPr>
+          <p:cNvPr id="31" name="Object 30"/>
+          <p:cNvPicPr>
+            <a:picLocks noChangeAspect="1"/>
+          </p:cNvPicPr>
+          <p:nvPr/>
+        </p:nvPicPr>
+        <p:blipFill>
+          <a:blip r:embed="rId12" cstate="print"/>
+          <a:stretch>
+            <a:fillRect/>
+          </a:stretch>
+        </p:blipFill>
+        <p:spPr>
+          <a:xfrm>
+            <a:off x="3910136" y="4626926"/>
+            <a:ext cx="1137684" cy="354704"/>
+          </a:xfrm>
+          <a:prstGeom prst="rect">
+            <a:avLst/>
+          </a:prstGeom>
+        </p:spPr>
+      </p:pic>
+      <p:pic>
+        <p:nvPicPr>
+          <p:cNvPr id="32" name="Object 31"/>
+          <p:cNvPicPr>
+            <a:picLocks noChangeAspect="1"/>
+          </p:cNvPicPr>
+          <p:nvPr/>
+        </p:nvPicPr>
+        <p:blipFill>
+          <a:blip r:embed="rId13" cstate="print"/>
+          <a:stretch>
+            <a:fillRect/>
+          </a:stretch>
+        </p:blipFill>
+        <p:spPr>
+          <a:xfrm>
+            <a:off x="6922432" y="4618911"/>
+            <a:ext cx="1550713" cy="354704"/>
+          </a:xfrm>
+          <a:prstGeom prst="rect">
+            <a:avLst/>
+          </a:prstGeom>
+        </p:spPr>
+      </p:pic>
+      <p:pic>
+        <p:nvPicPr>
+          <p:cNvPr id="33" name="Object 32"/>
+          <p:cNvPicPr>
+            <a:picLocks noChangeAspect="1"/>
+          </p:cNvPicPr>
+          <p:nvPr/>
+        </p:nvPicPr>
+        <p:blipFill>
+          <a:blip r:embed="rId14" cstate="print"/>
+          <a:stretch>
+            <a:fillRect/>
+          </a:stretch>
+        </p:blipFill>
+        <p:spPr>
+          <a:xfrm>
+            <a:off x="5479374" y="4626924"/>
+            <a:ext cx="1300741" cy="354704"/>
+          </a:xfrm>
+          <a:prstGeom prst="rect">
+            <a:avLst/>
+          </a:prstGeom>
+        </p:spPr>
+      </p:pic>
+      <p:pic>
+        <p:nvPicPr>
+          <p:cNvPr id="35" name="Object 34"/>
+          <p:cNvPicPr>
+            <a:picLocks noChangeAspect="1"/>
+          </p:cNvPicPr>
+          <p:nvPr/>
+        </p:nvPicPr>
+        <p:blipFill>
+          <a:blip r:embed="rId15" cstate="print"/>
+          <a:stretch>
+            <a:fillRect/>
+          </a:stretch>
+        </p:blipFill>
+        <p:spPr>
+          <a:xfrm>
+            <a:off x="656191" y="5213975"/>
+            <a:ext cx="1107044" cy="384844"/>
+          </a:xfrm>
+          <a:prstGeom prst="rect">
+            <a:avLst/>
+          </a:prstGeom>
+        </p:spPr>
+      </p:pic>
+      <p:pic>
+        <p:nvPicPr>
+          <p:cNvPr id="36" name="Object 35"/>
+          <p:cNvPicPr>
+            <a:picLocks noChangeAspect="1"/>
+          </p:cNvPicPr>
+          <p:nvPr/>
+        </p:nvPicPr>
+        <p:blipFill>
+          <a:blip r:embed="rId16" cstate="print"/>
+          <a:stretch>
+            <a:fillRect/>
+          </a:stretch>
+        </p:blipFill>
+        <p:spPr>
+          <a:xfrm>
+            <a:off x="2278127" y="5213975"/>
+            <a:ext cx="987311" cy="713787"/>
+          </a:xfrm>
+          <a:prstGeom prst="rect">
+            <a:avLst/>
+          </a:prstGeom>
+        </p:spPr>
+      </p:pic>
+      <p:pic>
+        <p:nvPicPr>
+          <p:cNvPr id="37" name="Object 36"/>
+          <p:cNvPicPr>
+            <a:picLocks noChangeAspect="1"/>
+          </p:cNvPicPr>
+          <p:nvPr/>
+        </p:nvPicPr>
+        <p:blipFill>
+          <a:blip r:embed="rId17" cstate="print"/>
+          <a:stretch>
+            <a:fillRect/>
+          </a:stretch>
+        </p:blipFill>
+        <p:spPr>
+          <a:xfrm>
+            <a:off x="3771884" y="5213975"/>
+            <a:ext cx="1107044" cy="220377"/>
+          </a:xfrm>
+          <a:prstGeom prst="rect">
+            <a:avLst/>
+          </a:prstGeom>
+        </p:spPr>
+      </p:pic>
+      <p:pic>
+        <p:nvPicPr>
+          <p:cNvPr id="38" name="Object 37"/>
+          <p:cNvPicPr>
+            <a:picLocks noChangeAspect="1"/>
+          </p:cNvPicPr>
+          <p:nvPr/>
+        </p:nvPicPr>
+        <p:blipFill>
+          <a:blip r:embed="rId18" cstate="print"/>
+          <a:stretch>
+            <a:fillRect/>
+          </a:stretch>
+        </p:blipFill>
+        <p:spPr>
+          <a:xfrm>
+            <a:off x="7027203" y="5213975"/>
+            <a:ext cx="1080197" cy="384844"/>
+          </a:xfrm>
+          <a:prstGeom prst="rect">
+            <a:avLst/>
+          </a:prstGeom>
+        </p:spPr>
+      </p:pic>
+      <p:pic>
+        <p:nvPicPr>
+          <p:cNvPr id="39" name="Object 38"/>
+          <p:cNvPicPr>
+            <a:picLocks noChangeAspect="1"/>
+          </p:cNvPicPr>
+          <p:nvPr/>
+        </p:nvPicPr>
+        <p:blipFill>
+          <a:blip r:embed="rId19" cstate="print"/>
+          <a:stretch>
+            <a:fillRect/>
+          </a:stretch>
+        </p:blipFill>
+        <p:spPr>
+          <a:xfrm>
+            <a:off x="5437544" y="5211115"/>
+            <a:ext cx="1053797" cy="220377"/>
+          </a:xfrm>
+          <a:prstGeom prst="rect">
+            <a:avLst/>
+          </a:prstGeom>
+        </p:spPr>
+      </p:pic>
+      <p:pic>
+        <p:nvPicPr>
+          <p:cNvPr id="41" name="Object 40"/>
+          <p:cNvPicPr>
+            <a:picLocks noChangeAspect="1"/>
+          </p:cNvPicPr>
+          <p:nvPr/>
+        </p:nvPicPr>
+        <p:blipFill>
+          <a:blip r:embed="rId20" cstate="print"/>
+          <a:stretch>
+            <a:fillRect/>
+          </a:stretch>
+        </p:blipFill>
+        <p:spPr>
+          <a:xfrm>
+            <a:off x="722384" y="1663141"/>
+            <a:ext cx="495923" cy="411295"/>
+          </a:xfrm>
+          <a:prstGeom prst="rect">
+            <a:avLst/>
+          </a:prstGeom>
+        </p:spPr>
+      </p:pic>
+      <p:grpSp>
+        <p:nvGrpSpPr>
+          <p:cNvPr id="1008" name="그룹 1008"/>
+          <p:cNvGrpSpPr/>
+          <p:nvPr/>
+        </p:nvGrpSpPr>
+        <p:grpSpPr>
+          <a:xfrm>
+            <a:off x="753473" y="1532438"/>
+            <a:ext cx="193389" cy="104865"/>
+            <a:chOff x="753473" y="1532438"/>
+            <a:chExt cx="193389" cy="104865"/>
+          </a:xfrm>
+        </p:grpSpPr>
+        <p:pic>
+          <p:nvPicPr>
+            <p:cNvPr id="43" name="Object 42"/>
+            <p:cNvPicPr>
+              <a:picLocks noChangeAspect="1"/>
+            </p:cNvPicPr>
+            <p:nvPr/>
+          </p:nvPicPr>
+          <p:blipFill>
+            <a:blip r:embed="rId21" cstate="print"/>
+            <a:stretch>
+              <a:fillRect/>
+            </a:stretch>
+          </p:blipFill>
+          <p:spPr>
+            <a:xfrm>
+              <a:off x="753473" y="1532438"/>
+              <a:ext cx="193389" cy="104865"/>
+            </a:xfrm>
+            <a:prstGeom prst="rect">
+              <a:avLst/>
+            </a:prstGeom>
+          </p:spPr>
+        </p:pic>
+      </p:grpSp>
+      <p:pic>
+        <p:nvPicPr>
+          <p:cNvPr id="2" name="그림 1"/>
+          <p:cNvPicPr>
+            <a:picLocks noChangeAspect="1"/>
+          </p:cNvPicPr>
+          <p:nvPr/>
+        </p:nvPicPr>
+        <p:blipFill>
+          <a:blip r:embed="rId22"/>
+          <a:stretch>
+            <a:fillRect/>
+          </a:stretch>
+        </p:blipFill>
+        <p:spPr>
+          <a:xfrm>
+            <a:off x="8724835" y="4620989"/>
+            <a:ext cx="953294" cy="261021"/>
+          </a:xfrm>
+          <a:prstGeom prst="rect">
+            <a:avLst/>
+          </a:prstGeom>
+        </p:spPr>
+      </p:pic>
+      <p:pic>
+        <p:nvPicPr>
+          <p:cNvPr id="4" name="그림 3"/>
+          <p:cNvPicPr>
+            <a:picLocks noChangeAspect="1"/>
+          </p:cNvPicPr>
+          <p:nvPr/>
+        </p:nvPicPr>
+        <p:blipFill>
+          <a:blip r:embed="rId23"/>
+          <a:stretch>
+            <a:fillRect/>
+          </a:stretch>
+        </p:blipFill>
+        <p:spPr>
+          <a:xfrm>
+            <a:off x="8918700" y="5211293"/>
+            <a:ext cx="638175" cy="371475"/>
+          </a:xfrm>
+          <a:prstGeom prst="rect">
+            <a:avLst/>
+          </a:prstGeom>
+        </p:spPr>
+      </p:pic>
+      <p:sp>
+        <p:nvSpPr>
+          <p:cNvPr id="11" name="직사각형 10"/>
+          <p:cNvSpPr/>
+          <p:nvPr/>
+        </p:nvSpPr>
+        <p:spPr>
+          <a:xfrm>
+            <a:off x="2672552" y="5391633"/>
+            <a:ext cx="754904" cy="151276"/>
+          </a:xfrm>
+          <a:prstGeom prst="rect">
+            <a:avLst/>
+          </a:prstGeom>
+          <a:solidFill>
+            <a:schemeClr val="bg1"/>
+          </a:solidFill>
+          <a:ln>
+            <a:solidFill>
+              <a:schemeClr val="bg1"/>
+            </a:solidFill>
+          </a:ln>
+        </p:spPr>
+        <p:style>
+          <a:lnRef idx="2">
+            <a:schemeClr val="accent1">
+              <a:shade val="50000"/>
+            </a:schemeClr>
+          </a:lnRef>
+          <a:fillRef idx="1">
+            <a:schemeClr val="accent1"/>
+          </a:fillRef>
+          <a:effectRef idx="0">
+            <a:schemeClr val="accent1"/>
+          </a:effectRef>
+          <a:fontRef idx="minor">
+            <a:schemeClr val="lt1"/>
+          </a:fontRef>
+        </p:style>
+        <p:txBody>
+          <a:bodyPr rtlCol="0" anchor="ctr"/>
+          <a:lstStyle/>
+          <a:p>
+            <a:pPr algn="ctr"/>
+            <a:endParaRPr lang="ko-KR" altLang="en-US"/>
+          </a:p>
+        </p:txBody>
+      </p:sp>
+    </p:spTree>
+  </p:cSld>
+  <p:clrMapOvr>
+    <a:masterClrMapping/>
+  </p:clrMapOvr>
+  <p:timing>
+    <p:tnLst>
+      <p:par>
+        <p:cTn id="1" dur="indefinite" restart="never" nodeType="tmRoot"/>
+      </p:par>
+    </p:tnLst>
+  </p:timing>
+</p:sld>
+</file>
+
+<file path=ppt/slides/slide20.xml><?xml version="1.0" encoding="utf-8"?>
 <p:sld xmlns:a="http://schemas.openxmlformats.org/drawingml/2006/main" xmlns:r="http://schemas.openxmlformats.org/officeDocument/2006/relationships" xmlns:p="http://schemas.openxmlformats.org/presentationml/2006/main">
   <p:cSld name="Slide 20">
     <p:bg>
@@ -8139,815 +9561,7 @@
 </p:sld>
 </file>
 
-<file path=ppt/slides/slide2.xml><?xml version="1.0" encoding="utf-8"?>
-<p:sld xmlns:a="http://schemas.openxmlformats.org/drawingml/2006/main" xmlns:r="http://schemas.openxmlformats.org/officeDocument/2006/relationships" xmlns:p="http://schemas.openxmlformats.org/presentationml/2006/main">
-  <p:cSld name="Slide 2">
-    <p:bg>
-      <p:bgPr>
-        <a:solidFill>
-          <a:srgbClr val="FFFFFF"/>
-        </a:solidFill>
-        <a:effectLst/>
-      </p:bgPr>
-    </p:bg>
-    <p:spTree>
-      <p:nvGrpSpPr>
-        <p:cNvPr id="1" name=""/>
-        <p:cNvGrpSpPr/>
-        <p:nvPr/>
-      </p:nvGrpSpPr>
-      <p:grpSpPr>
-        <a:xfrm>
-          <a:off x="0" y="0"/>
-          <a:ext cx="0" cy="0"/>
-          <a:chOff x="0" y="0"/>
-          <a:chExt cx="0" cy="0"/>
-        </a:xfrm>
-      </p:grpSpPr>
-      <p:grpSp>
-        <p:nvGrpSpPr>
-          <p:cNvPr id="1001" name="그룹 1001"/>
-          <p:cNvGrpSpPr/>
-          <p:nvPr/>
-        </p:nvGrpSpPr>
-        <p:grpSpPr>
-          <a:xfrm>
-            <a:off x="339061" y="1117653"/>
-            <a:ext cx="10039398" cy="5326599"/>
-            <a:chOff x="339061" y="1117653"/>
-            <a:chExt cx="10039398" cy="5326599"/>
-          </a:xfrm>
-        </p:grpSpPr>
-        <p:pic>
-          <p:nvPicPr>
-            <p:cNvPr id="3" name="Object 2"/>
-            <p:cNvPicPr>
-              <a:picLocks noChangeAspect="1"/>
-            </p:cNvPicPr>
-            <p:nvPr/>
-          </p:nvPicPr>
-          <p:blipFill>
-            <a:blip r:embed="rId2" cstate="print"/>
-            <a:stretch>
-              <a:fillRect/>
-            </a:stretch>
-          </p:blipFill>
-          <p:spPr>
-            <a:xfrm>
-              <a:off x="339061" y="1117653"/>
-              <a:ext cx="10039398" cy="5326599"/>
-            </a:xfrm>
-            <a:prstGeom prst="rect">
-              <a:avLst/>
-            </a:prstGeom>
-          </p:spPr>
-        </p:pic>
-      </p:grpSp>
-      <p:pic>
-        <p:nvPicPr>
-          <p:cNvPr id="5" name="Object 4"/>
-          <p:cNvPicPr>
-            <a:picLocks noChangeAspect="1"/>
-          </p:cNvPicPr>
-          <p:nvPr/>
-        </p:nvPicPr>
-        <p:blipFill>
-          <a:blip r:embed="rId3" cstate="print"/>
-          <a:stretch>
-            <a:fillRect/>
-          </a:stretch>
-        </p:blipFill>
-        <p:spPr>
-          <a:xfrm>
-            <a:off x="439355" y="2375753"/>
-            <a:ext cx="1812149" cy="3104254"/>
-          </a:xfrm>
-          <a:prstGeom prst="rect">
-            <a:avLst/>
-          </a:prstGeom>
-        </p:spPr>
-      </p:pic>
-      <p:pic>
-        <p:nvPicPr>
-          <p:cNvPr id="6" name="Object 5"/>
-          <p:cNvPicPr>
-            <a:picLocks noChangeAspect="1"/>
-          </p:cNvPicPr>
-          <p:nvPr/>
-        </p:nvPicPr>
-        <p:blipFill>
-          <a:blip r:embed="rId4" cstate="print"/>
-          <a:stretch>
-            <a:fillRect/>
-          </a:stretch>
-        </p:blipFill>
-        <p:spPr>
-          <a:xfrm>
-            <a:off x="2061293" y="2375753"/>
-            <a:ext cx="2131606" cy="2833273"/>
-          </a:xfrm>
-          <a:prstGeom prst="rect">
-            <a:avLst/>
-          </a:prstGeom>
-        </p:spPr>
-      </p:pic>
-      <p:pic>
-        <p:nvPicPr>
-          <p:cNvPr id="7" name="Object 6"/>
-          <p:cNvPicPr>
-            <a:picLocks noChangeAspect="1"/>
-          </p:cNvPicPr>
-          <p:nvPr/>
-        </p:nvPicPr>
-        <p:blipFill>
-          <a:blip r:embed="rId5" cstate="print"/>
-          <a:stretch>
-            <a:fillRect/>
-          </a:stretch>
-        </p:blipFill>
-        <p:spPr>
-          <a:xfrm>
-            <a:off x="3555048" y="2375753"/>
-            <a:ext cx="2147949" cy="2747558"/>
-          </a:xfrm>
-          <a:prstGeom prst="rect">
-            <a:avLst/>
-          </a:prstGeom>
-        </p:spPr>
-      </p:pic>
-      <p:pic>
-        <p:nvPicPr>
-          <p:cNvPr id="8" name="Object 7"/>
-          <p:cNvPicPr>
-            <a:picLocks noChangeAspect="1"/>
-          </p:cNvPicPr>
-          <p:nvPr/>
-        </p:nvPicPr>
-        <p:blipFill>
-          <a:blip r:embed="rId6" cstate="print"/>
-          <a:stretch>
-            <a:fillRect/>
-          </a:stretch>
-        </p:blipFill>
-        <p:spPr>
-          <a:xfrm>
-            <a:off x="5102216" y="2375749"/>
-            <a:ext cx="2029071" cy="3104251"/>
-          </a:xfrm>
-          <a:prstGeom prst="rect">
-            <a:avLst/>
-          </a:prstGeom>
-        </p:spPr>
-      </p:pic>
-      <p:pic>
-        <p:nvPicPr>
-          <p:cNvPr id="9" name="Object 8"/>
-          <p:cNvPicPr>
-            <a:picLocks noChangeAspect="1"/>
-          </p:cNvPicPr>
-          <p:nvPr/>
-        </p:nvPicPr>
-        <p:blipFill>
-          <a:blip r:embed="rId7" cstate="print"/>
-          <a:stretch>
-            <a:fillRect/>
-          </a:stretch>
-        </p:blipFill>
-        <p:spPr>
-          <a:xfrm>
-            <a:off x="6670742" y="2375753"/>
-            <a:ext cx="2268683" cy="2747558"/>
-          </a:xfrm>
-          <a:prstGeom prst="rect">
-            <a:avLst/>
-          </a:prstGeom>
-        </p:spPr>
-      </p:pic>
-      <p:pic>
-        <p:nvPicPr>
-          <p:cNvPr id="10" name="Object 9"/>
-          <p:cNvPicPr>
-            <a:picLocks noChangeAspect="1"/>
-          </p:cNvPicPr>
-          <p:nvPr/>
-        </p:nvPicPr>
-        <p:blipFill>
-          <a:blip r:embed="rId8" cstate="print"/>
-          <a:stretch>
-            <a:fillRect/>
-          </a:stretch>
-        </p:blipFill>
-        <p:spPr>
-          <a:xfrm>
-            <a:off x="8281998" y="2375753"/>
-            <a:ext cx="2211644" cy="2754330"/>
-          </a:xfrm>
-          <a:prstGeom prst="rect">
-            <a:avLst/>
-          </a:prstGeom>
-        </p:spPr>
-      </p:pic>
-      <p:grpSp>
-        <p:nvGrpSpPr>
-          <p:cNvPr id="1002" name="그룹 1002"/>
-          <p:cNvGrpSpPr/>
-          <p:nvPr/>
-        </p:nvGrpSpPr>
-        <p:grpSpPr>
-          <a:xfrm>
-            <a:off x="780945" y="4923956"/>
-            <a:ext cx="1260462" cy="276873"/>
-            <a:chOff x="780945" y="4923956"/>
-            <a:chExt cx="1260462" cy="276873"/>
-          </a:xfrm>
-        </p:grpSpPr>
-        <p:pic>
-          <p:nvPicPr>
-            <p:cNvPr id="12" name="Object 11"/>
-            <p:cNvPicPr>
-              <a:picLocks noChangeAspect="1"/>
-            </p:cNvPicPr>
-            <p:nvPr/>
-          </p:nvPicPr>
-          <p:blipFill>
-            <a:blip r:embed="rId9" cstate="print"/>
-            <a:stretch>
-              <a:fillRect/>
-            </a:stretch>
-          </p:blipFill>
-          <p:spPr>
-            <a:xfrm>
-              <a:off x="780945" y="4923956"/>
-              <a:ext cx="1260462" cy="276873"/>
-            </a:xfrm>
-            <a:prstGeom prst="rect">
-              <a:avLst/>
-            </a:prstGeom>
-          </p:spPr>
-        </p:pic>
-      </p:grpSp>
-      <p:grpSp>
-        <p:nvGrpSpPr>
-          <p:cNvPr id="1003" name="그룹 1003"/>
-          <p:cNvGrpSpPr/>
-          <p:nvPr/>
-        </p:nvGrpSpPr>
-        <p:grpSpPr>
-          <a:xfrm>
-            <a:off x="2355883" y="4923956"/>
-            <a:ext cx="1260462" cy="276873"/>
-            <a:chOff x="2355883" y="4923956"/>
-            <a:chExt cx="1260462" cy="276873"/>
-          </a:xfrm>
-        </p:grpSpPr>
-        <p:pic>
-          <p:nvPicPr>
-            <p:cNvPr id="15" name="Object 14"/>
-            <p:cNvPicPr>
-              <a:picLocks noChangeAspect="1"/>
-            </p:cNvPicPr>
-            <p:nvPr/>
-          </p:nvPicPr>
-          <p:blipFill>
-            <a:blip r:embed="rId9" cstate="print"/>
-            <a:stretch>
-              <a:fillRect/>
-            </a:stretch>
-          </p:blipFill>
-          <p:spPr>
-            <a:xfrm>
-              <a:off x="2355883" y="4923956"/>
-              <a:ext cx="1260462" cy="276873"/>
-            </a:xfrm>
-            <a:prstGeom prst="rect">
-              <a:avLst/>
-            </a:prstGeom>
-          </p:spPr>
-        </p:pic>
-      </p:grpSp>
-      <p:grpSp>
-        <p:nvGrpSpPr>
-          <p:cNvPr id="1004" name="그룹 1004"/>
-          <p:cNvGrpSpPr/>
-          <p:nvPr/>
-        </p:nvGrpSpPr>
-        <p:grpSpPr>
-          <a:xfrm>
-            <a:off x="3930820" y="4923956"/>
-            <a:ext cx="1260462" cy="276873"/>
-            <a:chOff x="3930820" y="4923956"/>
-            <a:chExt cx="1260462" cy="276873"/>
-          </a:xfrm>
-        </p:grpSpPr>
-        <p:pic>
-          <p:nvPicPr>
-            <p:cNvPr id="18" name="Object 17"/>
-            <p:cNvPicPr>
-              <a:picLocks noChangeAspect="1"/>
-            </p:cNvPicPr>
-            <p:nvPr/>
-          </p:nvPicPr>
-          <p:blipFill>
-            <a:blip r:embed="rId9" cstate="print"/>
-            <a:stretch>
-              <a:fillRect/>
-            </a:stretch>
-          </p:blipFill>
-          <p:spPr>
-            <a:xfrm>
-              <a:off x="3930820" y="4923956"/>
-              <a:ext cx="1260462" cy="276873"/>
-            </a:xfrm>
-            <a:prstGeom prst="rect">
-              <a:avLst/>
-            </a:prstGeom>
-          </p:spPr>
-        </p:pic>
-      </p:grpSp>
-      <p:grpSp>
-        <p:nvGrpSpPr>
-          <p:cNvPr id="1005" name="그룹 1005"/>
-          <p:cNvGrpSpPr/>
-          <p:nvPr/>
-        </p:nvGrpSpPr>
-        <p:grpSpPr>
-          <a:xfrm>
-            <a:off x="5505758" y="4923956"/>
-            <a:ext cx="1260462" cy="276873"/>
-            <a:chOff x="5505758" y="4923956"/>
-            <a:chExt cx="1260462" cy="276873"/>
-          </a:xfrm>
-        </p:grpSpPr>
-        <p:pic>
-          <p:nvPicPr>
-            <p:cNvPr id="21" name="Object 20"/>
-            <p:cNvPicPr>
-              <a:picLocks noChangeAspect="1"/>
-            </p:cNvPicPr>
-            <p:nvPr/>
-          </p:nvPicPr>
-          <p:blipFill>
-            <a:blip r:embed="rId9" cstate="print"/>
-            <a:stretch>
-              <a:fillRect/>
-            </a:stretch>
-          </p:blipFill>
-          <p:spPr>
-            <a:xfrm>
-              <a:off x="5505758" y="4923956"/>
-              <a:ext cx="1260462" cy="276873"/>
-            </a:xfrm>
-            <a:prstGeom prst="rect">
-              <a:avLst/>
-            </a:prstGeom>
-          </p:spPr>
-        </p:pic>
-      </p:grpSp>
-      <p:grpSp>
-        <p:nvGrpSpPr>
-          <p:cNvPr id="1006" name="그룹 1006"/>
-          <p:cNvGrpSpPr/>
-          <p:nvPr/>
-        </p:nvGrpSpPr>
-        <p:grpSpPr>
-          <a:xfrm>
-            <a:off x="7080695" y="4923956"/>
-            <a:ext cx="1260462" cy="276873"/>
-            <a:chOff x="7080695" y="4923956"/>
-            <a:chExt cx="1260462" cy="276873"/>
-          </a:xfrm>
-        </p:grpSpPr>
-        <p:pic>
-          <p:nvPicPr>
-            <p:cNvPr id="24" name="Object 23"/>
-            <p:cNvPicPr>
-              <a:picLocks noChangeAspect="1"/>
-            </p:cNvPicPr>
-            <p:nvPr/>
-          </p:nvPicPr>
-          <p:blipFill>
-            <a:blip r:embed="rId9" cstate="print"/>
-            <a:stretch>
-              <a:fillRect/>
-            </a:stretch>
-          </p:blipFill>
-          <p:spPr>
-            <a:xfrm>
-              <a:off x="7080695" y="4923956"/>
-              <a:ext cx="1260462" cy="276873"/>
-            </a:xfrm>
-            <a:prstGeom prst="rect">
-              <a:avLst/>
-            </a:prstGeom>
-          </p:spPr>
-        </p:pic>
-      </p:grpSp>
-      <p:grpSp>
-        <p:nvGrpSpPr>
-          <p:cNvPr id="1007" name="그룹 1007"/>
-          <p:cNvGrpSpPr/>
-          <p:nvPr/>
-        </p:nvGrpSpPr>
-        <p:grpSpPr>
-          <a:xfrm>
-            <a:off x="8655633" y="4923956"/>
-            <a:ext cx="1260462" cy="276873"/>
-            <a:chOff x="8655633" y="4923956"/>
-            <a:chExt cx="1260462" cy="276873"/>
-          </a:xfrm>
-        </p:grpSpPr>
-        <p:pic>
-          <p:nvPicPr>
-            <p:cNvPr id="27" name="Object 26"/>
-            <p:cNvPicPr>
-              <a:picLocks noChangeAspect="1"/>
-            </p:cNvPicPr>
-            <p:nvPr/>
-          </p:nvPicPr>
-          <p:blipFill>
-            <a:blip r:embed="rId9" cstate="print"/>
-            <a:stretch>
-              <a:fillRect/>
-            </a:stretch>
-          </p:blipFill>
-          <p:spPr>
-            <a:xfrm>
-              <a:off x="8655633" y="4923956"/>
-              <a:ext cx="1260462" cy="276873"/>
-            </a:xfrm>
-            <a:prstGeom prst="rect">
-              <a:avLst/>
-            </a:prstGeom>
-          </p:spPr>
-        </p:pic>
-      </p:grpSp>
-      <p:pic>
-        <p:nvPicPr>
-          <p:cNvPr id="29" name="Object 28"/>
-          <p:cNvPicPr>
-            <a:picLocks noChangeAspect="1"/>
-          </p:cNvPicPr>
-          <p:nvPr/>
-        </p:nvPicPr>
-        <p:blipFill>
-          <a:blip r:embed="rId10" cstate="print"/>
-          <a:stretch>
-            <a:fillRect/>
-          </a:stretch>
-        </p:blipFill>
-        <p:spPr>
-          <a:xfrm>
-            <a:off x="756479" y="4618288"/>
-            <a:ext cx="1347036" cy="354704"/>
-          </a:xfrm>
-          <a:prstGeom prst="rect">
-            <a:avLst/>
-          </a:prstGeom>
-        </p:spPr>
-      </p:pic>
-      <p:pic>
-        <p:nvPicPr>
-          <p:cNvPr id="30" name="Object 29"/>
-          <p:cNvPicPr>
-            <a:picLocks noChangeAspect="1"/>
-          </p:cNvPicPr>
-          <p:nvPr/>
-        </p:nvPicPr>
-        <p:blipFill>
-          <a:blip r:embed="rId11" cstate="print"/>
-          <a:stretch>
-            <a:fillRect/>
-          </a:stretch>
-        </p:blipFill>
-        <p:spPr>
-          <a:xfrm>
-            <a:off x="2341364" y="4618288"/>
-            <a:ext cx="1094827" cy="354704"/>
-          </a:xfrm>
-          <a:prstGeom prst="rect">
-            <a:avLst/>
-          </a:prstGeom>
-        </p:spPr>
-      </p:pic>
-      <p:pic>
-        <p:nvPicPr>
-          <p:cNvPr id="31" name="Object 30"/>
-          <p:cNvPicPr>
-            <a:picLocks noChangeAspect="1"/>
-          </p:cNvPicPr>
-          <p:nvPr/>
-        </p:nvPicPr>
-        <p:blipFill>
-          <a:blip r:embed="rId12" cstate="print"/>
-          <a:stretch>
-            <a:fillRect/>
-          </a:stretch>
-        </p:blipFill>
-        <p:spPr>
-          <a:xfrm>
-            <a:off x="3910136" y="4626926"/>
-            <a:ext cx="1137684" cy="354704"/>
-          </a:xfrm>
-          <a:prstGeom prst="rect">
-            <a:avLst/>
-          </a:prstGeom>
-        </p:spPr>
-      </p:pic>
-      <p:pic>
-        <p:nvPicPr>
-          <p:cNvPr id="32" name="Object 31"/>
-          <p:cNvPicPr>
-            <a:picLocks noChangeAspect="1"/>
-          </p:cNvPicPr>
-          <p:nvPr/>
-        </p:nvPicPr>
-        <p:blipFill>
-          <a:blip r:embed="rId13" cstate="print"/>
-          <a:stretch>
-            <a:fillRect/>
-          </a:stretch>
-        </p:blipFill>
-        <p:spPr>
-          <a:xfrm>
-            <a:off x="6922432" y="4618911"/>
-            <a:ext cx="1550713" cy="354704"/>
-          </a:xfrm>
-          <a:prstGeom prst="rect">
-            <a:avLst/>
-          </a:prstGeom>
-        </p:spPr>
-      </p:pic>
-      <p:pic>
-        <p:nvPicPr>
-          <p:cNvPr id="33" name="Object 32"/>
-          <p:cNvPicPr>
-            <a:picLocks noChangeAspect="1"/>
-          </p:cNvPicPr>
-          <p:nvPr/>
-        </p:nvPicPr>
-        <p:blipFill>
-          <a:blip r:embed="rId14" cstate="print"/>
-          <a:stretch>
-            <a:fillRect/>
-          </a:stretch>
-        </p:blipFill>
-        <p:spPr>
-          <a:xfrm>
-            <a:off x="5479374" y="4626924"/>
-            <a:ext cx="1300741" cy="354704"/>
-          </a:xfrm>
-          <a:prstGeom prst="rect">
-            <a:avLst/>
-          </a:prstGeom>
-        </p:spPr>
-      </p:pic>
-      <p:pic>
-        <p:nvPicPr>
-          <p:cNvPr id="35" name="Object 34"/>
-          <p:cNvPicPr>
-            <a:picLocks noChangeAspect="1"/>
-          </p:cNvPicPr>
-          <p:nvPr/>
-        </p:nvPicPr>
-        <p:blipFill>
-          <a:blip r:embed="rId15" cstate="print"/>
-          <a:stretch>
-            <a:fillRect/>
-          </a:stretch>
-        </p:blipFill>
-        <p:spPr>
-          <a:xfrm>
-            <a:off x="656191" y="5213975"/>
-            <a:ext cx="1107044" cy="384844"/>
-          </a:xfrm>
-          <a:prstGeom prst="rect">
-            <a:avLst/>
-          </a:prstGeom>
-        </p:spPr>
-      </p:pic>
-      <p:pic>
-        <p:nvPicPr>
-          <p:cNvPr id="36" name="Object 35"/>
-          <p:cNvPicPr>
-            <a:picLocks noChangeAspect="1"/>
-          </p:cNvPicPr>
-          <p:nvPr/>
-        </p:nvPicPr>
-        <p:blipFill>
-          <a:blip r:embed="rId16" cstate="print"/>
-          <a:stretch>
-            <a:fillRect/>
-          </a:stretch>
-        </p:blipFill>
-        <p:spPr>
-          <a:xfrm>
-            <a:off x="2278127" y="5213975"/>
-            <a:ext cx="987311" cy="713787"/>
-          </a:xfrm>
-          <a:prstGeom prst="rect">
-            <a:avLst/>
-          </a:prstGeom>
-        </p:spPr>
-      </p:pic>
-      <p:pic>
-        <p:nvPicPr>
-          <p:cNvPr id="37" name="Object 36"/>
-          <p:cNvPicPr>
-            <a:picLocks noChangeAspect="1"/>
-          </p:cNvPicPr>
-          <p:nvPr/>
-        </p:nvPicPr>
-        <p:blipFill>
-          <a:blip r:embed="rId17" cstate="print"/>
-          <a:stretch>
-            <a:fillRect/>
-          </a:stretch>
-        </p:blipFill>
-        <p:spPr>
-          <a:xfrm>
-            <a:off x="3771884" y="5213975"/>
-            <a:ext cx="1107044" cy="220377"/>
-          </a:xfrm>
-          <a:prstGeom prst="rect">
-            <a:avLst/>
-          </a:prstGeom>
-        </p:spPr>
-      </p:pic>
-      <p:pic>
-        <p:nvPicPr>
-          <p:cNvPr id="38" name="Object 37"/>
-          <p:cNvPicPr>
-            <a:picLocks noChangeAspect="1"/>
-          </p:cNvPicPr>
-          <p:nvPr/>
-        </p:nvPicPr>
-        <p:blipFill>
-          <a:blip r:embed="rId18" cstate="print"/>
-          <a:stretch>
-            <a:fillRect/>
-          </a:stretch>
-        </p:blipFill>
-        <p:spPr>
-          <a:xfrm>
-            <a:off x="7027203" y="5213975"/>
-            <a:ext cx="1080197" cy="384844"/>
-          </a:xfrm>
-          <a:prstGeom prst="rect">
-            <a:avLst/>
-          </a:prstGeom>
-        </p:spPr>
-      </p:pic>
-      <p:pic>
-        <p:nvPicPr>
-          <p:cNvPr id="39" name="Object 38"/>
-          <p:cNvPicPr>
-            <a:picLocks noChangeAspect="1"/>
-          </p:cNvPicPr>
-          <p:nvPr/>
-        </p:nvPicPr>
-        <p:blipFill>
-          <a:blip r:embed="rId19" cstate="print"/>
-          <a:stretch>
-            <a:fillRect/>
-          </a:stretch>
-        </p:blipFill>
-        <p:spPr>
-          <a:xfrm>
-            <a:off x="5437544" y="5211115"/>
-            <a:ext cx="1053797" cy="220377"/>
-          </a:xfrm>
-          <a:prstGeom prst="rect">
-            <a:avLst/>
-          </a:prstGeom>
-        </p:spPr>
-      </p:pic>
-      <p:pic>
-        <p:nvPicPr>
-          <p:cNvPr id="41" name="Object 40"/>
-          <p:cNvPicPr>
-            <a:picLocks noChangeAspect="1"/>
-          </p:cNvPicPr>
-          <p:nvPr/>
-        </p:nvPicPr>
-        <p:blipFill>
-          <a:blip r:embed="rId20" cstate="print"/>
-          <a:stretch>
-            <a:fillRect/>
-          </a:stretch>
-        </p:blipFill>
-        <p:spPr>
-          <a:xfrm>
-            <a:off x="722384" y="1663141"/>
-            <a:ext cx="495923" cy="411295"/>
-          </a:xfrm>
-          <a:prstGeom prst="rect">
-            <a:avLst/>
-          </a:prstGeom>
-        </p:spPr>
-      </p:pic>
-      <p:grpSp>
-        <p:nvGrpSpPr>
-          <p:cNvPr id="1008" name="그룹 1008"/>
-          <p:cNvGrpSpPr/>
-          <p:nvPr/>
-        </p:nvGrpSpPr>
-        <p:grpSpPr>
-          <a:xfrm>
-            <a:off x="753473" y="1532438"/>
-            <a:ext cx="193389" cy="104865"/>
-            <a:chOff x="753473" y="1532438"/>
-            <a:chExt cx="193389" cy="104865"/>
-          </a:xfrm>
-        </p:grpSpPr>
-        <p:pic>
-          <p:nvPicPr>
-            <p:cNvPr id="43" name="Object 42"/>
-            <p:cNvPicPr>
-              <a:picLocks noChangeAspect="1"/>
-            </p:cNvPicPr>
-            <p:nvPr/>
-          </p:nvPicPr>
-          <p:blipFill>
-            <a:blip r:embed="rId21" cstate="print"/>
-            <a:stretch>
-              <a:fillRect/>
-            </a:stretch>
-          </p:blipFill>
-          <p:spPr>
-            <a:xfrm>
-              <a:off x="753473" y="1532438"/>
-              <a:ext cx="193389" cy="104865"/>
-            </a:xfrm>
-            <a:prstGeom prst="rect">
-              <a:avLst/>
-            </a:prstGeom>
-          </p:spPr>
-        </p:pic>
-      </p:grpSp>
-      <p:pic>
-        <p:nvPicPr>
-          <p:cNvPr id="2" name="그림 1"/>
-          <p:cNvPicPr>
-            <a:picLocks noChangeAspect="1"/>
-          </p:cNvPicPr>
-          <p:nvPr/>
-        </p:nvPicPr>
-        <p:blipFill>
-          <a:blip r:embed="rId22"/>
-          <a:stretch>
-            <a:fillRect/>
-          </a:stretch>
-        </p:blipFill>
-        <p:spPr>
-          <a:xfrm>
-            <a:off x="8724835" y="4620989"/>
-            <a:ext cx="953294" cy="261021"/>
-          </a:xfrm>
-          <a:prstGeom prst="rect">
-            <a:avLst/>
-          </a:prstGeom>
-        </p:spPr>
-      </p:pic>
-      <p:pic>
-        <p:nvPicPr>
-          <p:cNvPr id="4" name="그림 3"/>
-          <p:cNvPicPr>
-            <a:picLocks noChangeAspect="1"/>
-          </p:cNvPicPr>
-          <p:nvPr/>
-        </p:nvPicPr>
-        <p:blipFill>
-          <a:blip r:embed="rId23"/>
-          <a:stretch>
-            <a:fillRect/>
-          </a:stretch>
-        </p:blipFill>
-        <p:spPr>
-          <a:xfrm>
-            <a:off x="8918700" y="5211293"/>
-            <a:ext cx="638175" cy="371475"/>
-          </a:xfrm>
-          <a:prstGeom prst="rect">
-            <a:avLst/>
-          </a:prstGeom>
-        </p:spPr>
-      </p:pic>
-    </p:spTree>
-  </p:cSld>
-  <p:clrMapOvr>
-    <a:masterClrMapping/>
-  </p:clrMapOvr>
-  <p:timing>
-    <p:tnLst>
-      <p:par>
-        <p:cTn id="1" dur="indefinite" restart="never" nodeType="tmRoot"/>
-      </p:par>
-    </p:tnLst>
-  </p:timing>
-</p:sld>
-</file>
-
-<file path=ppt/slides/slide20.xml><?xml version="1.0" encoding="utf-8"?>
+<file path=ppt/slides/slide21.xml><?xml version="1.0" encoding="utf-8"?>
 <p:sld xmlns:a="http://schemas.openxmlformats.org/drawingml/2006/main" xmlns:r="http://schemas.openxmlformats.org/officeDocument/2006/relationships" xmlns:p="http://schemas.openxmlformats.org/presentationml/2006/main">
   <p:cSld name="Slide 21">
     <p:bg>
@@ -9245,7 +9859,7 @@
 </p:sld>
 </file>
 
-<file path=ppt/slides/slide21.xml><?xml version="1.0" encoding="utf-8"?>
+<file path=ppt/slides/slide22.xml><?xml version="1.0" encoding="utf-8"?>
 <p:sld xmlns:a="http://schemas.openxmlformats.org/drawingml/2006/main" xmlns:r="http://schemas.openxmlformats.org/officeDocument/2006/relationships" xmlns:p="http://schemas.openxmlformats.org/presentationml/2006/main">
   <p:cSld name="Slide 22">
     <p:bg>
@@ -9915,7 +10529,7 @@
 </p:sld>
 </file>
 
-<file path=ppt/slides/slide22.xml><?xml version="1.0" encoding="utf-8"?>
+<file path=ppt/slides/slide23.xml><?xml version="1.0" encoding="utf-8"?>
 <p:sld xmlns:a="http://schemas.openxmlformats.org/drawingml/2006/main" xmlns:r="http://schemas.openxmlformats.org/officeDocument/2006/relationships" xmlns:p="http://schemas.openxmlformats.org/presentationml/2006/main">
   <p:cSld name="Slide 23">
     <p:bg>
@@ -10105,7 +10719,7 @@
 </p:sld>
 </file>
 
-<file path=ppt/slides/slide23.xml><?xml version="1.0" encoding="utf-8"?>
+<file path=ppt/slides/slide24.xml><?xml version="1.0" encoding="utf-8"?>
 <p:sld xmlns:a="http://schemas.openxmlformats.org/drawingml/2006/main" xmlns:r="http://schemas.openxmlformats.org/officeDocument/2006/relationships" xmlns:p="http://schemas.openxmlformats.org/presentationml/2006/main">
   <p:cSld name="Slide 24">
     <p:bg>
@@ -12478,7 +13092,7 @@
 </p:sld>
 </file>
 
-<file path=ppt/slides/slide24.xml><?xml version="1.0" encoding="utf-8"?>
+<file path=ppt/slides/slide25.xml><?xml version="1.0" encoding="utf-8"?>
 <p:sld xmlns:a="http://schemas.openxmlformats.org/drawingml/2006/main" xmlns:r="http://schemas.openxmlformats.org/officeDocument/2006/relationships" xmlns:p="http://schemas.openxmlformats.org/presentationml/2006/main">
   <p:cSld name="Slide 25">
     <p:bg>
@@ -12707,7 +13321,7 @@
 </p:sld>
 </file>
 
-<file path=ppt/slides/slide25.xml><?xml version="1.0" encoding="utf-8"?>
+<file path=ppt/slides/slide26.xml><?xml version="1.0" encoding="utf-8"?>
 <p:sld xmlns:a="http://schemas.openxmlformats.org/drawingml/2006/main" xmlns:r="http://schemas.openxmlformats.org/officeDocument/2006/relationships" xmlns:p="http://schemas.openxmlformats.org/presentationml/2006/main">
   <p:cSld name="Slide 26">
     <p:bg>
@@ -12921,88 +13535,6 @@
           </a:prstGeom>
         </p:spPr>
       </p:pic>
-      <p:sp>
-        <p:nvSpPr>
-          <p:cNvPr id="5" name="모서리가 둥근 직사각형 4"/>
-          <p:cNvSpPr/>
-          <p:nvPr/>
-        </p:nvSpPr>
-        <p:spPr>
-          <a:xfrm>
-            <a:off x="1030523" y="5128260"/>
-            <a:ext cx="1295400" cy="1532255"/>
-          </a:xfrm>
-          <a:prstGeom prst="roundRect">
-            <a:avLst/>
-          </a:prstGeom>
-          <a:noFill/>
-        </p:spPr>
-        <p:style>
-          <a:lnRef idx="2">
-            <a:schemeClr val="accent3">
-              <a:shade val="50000"/>
-            </a:schemeClr>
-          </a:lnRef>
-          <a:fillRef idx="1">
-            <a:schemeClr val="accent3"/>
-          </a:fillRef>
-          <a:effectRef idx="0">
-            <a:schemeClr val="accent3"/>
-          </a:effectRef>
-          <a:fontRef idx="minor">
-            <a:schemeClr val="lt1"/>
-          </a:fontRef>
-        </p:style>
-        <p:txBody>
-          <a:bodyPr rtlCol="0" anchor="ctr"/>
-          <a:lstStyle/>
-          <a:p>
-            <a:pPr algn="ctr"/>
-            <a:endParaRPr lang="ko-KR" altLang="en-US"/>
-          </a:p>
-        </p:txBody>
-      </p:sp>
-      <p:sp>
-        <p:nvSpPr>
-          <p:cNvPr id="26" name="모서리가 둥근 직사각형 25"/>
-          <p:cNvSpPr/>
-          <p:nvPr/>
-        </p:nvSpPr>
-        <p:spPr>
-          <a:xfrm>
-            <a:off x="2309730" y="4089424"/>
-            <a:ext cx="1295400" cy="1901801"/>
-          </a:xfrm>
-          <a:prstGeom prst="roundRect">
-            <a:avLst/>
-          </a:prstGeom>
-          <a:noFill/>
-        </p:spPr>
-        <p:style>
-          <a:lnRef idx="2">
-            <a:schemeClr val="accent3">
-              <a:shade val="50000"/>
-            </a:schemeClr>
-          </a:lnRef>
-          <a:fillRef idx="1">
-            <a:schemeClr val="accent3"/>
-          </a:fillRef>
-          <a:effectRef idx="0">
-            <a:schemeClr val="accent3"/>
-          </a:effectRef>
-          <a:fontRef idx="minor">
-            <a:schemeClr val="lt1"/>
-          </a:fontRef>
-        </p:style>
-        <p:txBody>
-          <a:bodyPr rtlCol="0" anchor="ctr"/>
-          <a:lstStyle/>
-          <a:p>
-            <a:pPr algn="ctr"/>
-            <a:endParaRPr lang="ko-KR" altLang="en-US"/>
-          </a:p>
-        </p:txBody>
-      </p:sp>
       <p:sp>
         <p:nvSpPr>
           <p:cNvPr id="27" name="모서리가 둥근 직사각형 26"/>
@@ -13288,7 +13820,7 @@
                                           </p:stCondLst>
                                         </p:cTn>
                                         <p:tgtEl>
-                                          <p:spTgt spid="5"/>
+                                          <p:spTgt spid="27"/>
                                         </p:tgtEl>
                                         <p:attrNameLst>
                                           <p:attrName>style.visibility</p:attrName>
@@ -13304,7 +13836,7 @@
                                       <p:cBhvr override="childStyle">
                                         <p:cTn dur="1" fill="hold" display="0" masterRel="nextClick" afterEffect="1"/>
                                         <p:tgtEl>
-                                          <p:spTgt spid="5"/>
+                                          <p:spTgt spid="27"/>
                                         </p:tgtEl>
                                         <p:attrNameLst>
                                           <p:attrName>style.visibility</p:attrName>
@@ -13349,7 +13881,7 @@
                                           </p:stCondLst>
                                         </p:cTn>
                                         <p:tgtEl>
-                                          <p:spTgt spid="26"/>
+                                          <p:spTgt spid="28"/>
                                         </p:tgtEl>
                                         <p:attrNameLst>
                                           <p:attrName>style.visibility</p:attrName>
@@ -13365,7 +13897,7 @@
                                       <p:cBhvr override="childStyle">
                                         <p:cTn dur="1" fill="hold" display="0" masterRel="nextClick" afterEffect="1"/>
                                         <p:tgtEl>
-                                          <p:spTgt spid="26"/>
+                                          <p:spTgt spid="28"/>
                                         </p:tgtEl>
                                         <p:attrNameLst>
                                           <p:attrName>style.visibility</p:attrName>
@@ -13410,7 +13942,7 @@
                                           </p:stCondLst>
                                         </p:cTn>
                                         <p:tgtEl>
-                                          <p:spTgt spid="27"/>
+                                          <p:spTgt spid="29"/>
                                         </p:tgtEl>
                                         <p:attrNameLst>
                                           <p:attrName>style.visibility</p:attrName>
@@ -13426,7 +13958,7 @@
                                       <p:cBhvr override="childStyle">
                                         <p:cTn dur="1" fill="hold" display="0" masterRel="nextClick" afterEffect="1"/>
                                         <p:tgtEl>
-                                          <p:spTgt spid="27"/>
+                                          <p:spTgt spid="29"/>
                                         </p:tgtEl>
                                         <p:attrNameLst>
                                           <p:attrName>style.visibility</p:attrName>
@@ -13471,7 +14003,7 @@
                                           </p:stCondLst>
                                         </p:cTn>
                                         <p:tgtEl>
-                                          <p:spTgt spid="28"/>
+                                          <p:spTgt spid="30"/>
                                         </p:tgtEl>
                                         <p:attrNameLst>
                                           <p:attrName>style.visibility</p:attrName>
@@ -13487,7 +14019,7 @@
                                       <p:cBhvr override="childStyle">
                                         <p:cTn dur="1" fill="hold" display="0" masterRel="nextClick" afterEffect="1"/>
                                         <p:tgtEl>
-                                          <p:spTgt spid="28"/>
+                                          <p:spTgt spid="30"/>
                                         </p:tgtEl>
                                         <p:attrNameLst>
                                           <p:attrName>style.visibility</p:attrName>
@@ -13532,7 +14064,7 @@
                                           </p:stCondLst>
                                         </p:cTn>
                                         <p:tgtEl>
-                                          <p:spTgt spid="29"/>
+                                          <p:spTgt spid="31"/>
                                         </p:tgtEl>
                                         <p:attrNameLst>
                                           <p:attrName>style.visibility</p:attrName>
@@ -13548,7 +14080,7 @@
                                       <p:cBhvr override="childStyle">
                                         <p:cTn dur="1" fill="hold" display="0" masterRel="nextClick" afterEffect="1"/>
                                         <p:tgtEl>
-                                          <p:spTgt spid="29"/>
+                                          <p:spTgt spid="31"/>
                                         </p:tgtEl>
                                         <p:attrNameLst>
                                           <p:attrName>style.visibility</p:attrName>
@@ -13588,128 +14120,6 @@
                                     <p:set>
                                       <p:cBhvr>
                                         <p:cTn id="26" dur="1" fill="hold">
-                                          <p:stCondLst>
-                                            <p:cond delay="0"/>
-                                          </p:stCondLst>
-                                        </p:cTn>
-                                        <p:tgtEl>
-                                          <p:spTgt spid="30"/>
-                                        </p:tgtEl>
-                                        <p:attrNameLst>
-                                          <p:attrName>style.visibility</p:attrName>
-                                        </p:attrNameLst>
-                                      </p:cBhvr>
-                                      <p:to>
-                                        <p:strVal val="visible"/>
-                                      </p:to>
-                                    </p:set>
-                                  </p:childTnLst>
-                                  <p:subTnLst>
-                                    <p:set>
-                                      <p:cBhvr override="childStyle">
-                                        <p:cTn dur="1" fill="hold" display="0" masterRel="nextClick" afterEffect="1"/>
-                                        <p:tgtEl>
-                                          <p:spTgt spid="30"/>
-                                        </p:tgtEl>
-                                        <p:attrNameLst>
-                                          <p:attrName>style.visibility</p:attrName>
-                                        </p:attrNameLst>
-                                      </p:cBhvr>
-                                      <p:to>
-                                        <p:strVal val="hidden"/>
-                                      </p:to>
-                                    </p:set>
-                                  </p:subTnLst>
-                                </p:cTn>
-                              </p:par>
-                            </p:childTnLst>
-                          </p:cTn>
-                        </p:par>
-                      </p:childTnLst>
-                    </p:cTn>
-                  </p:par>
-                  <p:par>
-                    <p:cTn id="27" fill="hold">
-                      <p:stCondLst>
-                        <p:cond delay="indefinite"/>
-                      </p:stCondLst>
-                      <p:childTnLst>
-                        <p:par>
-                          <p:cTn id="28" fill="hold">
-                            <p:stCondLst>
-                              <p:cond delay="0"/>
-                            </p:stCondLst>
-                            <p:childTnLst>
-                              <p:par>
-                                <p:cTn id="29" presetID="1" presetClass="entr" presetSubtype="0" fill="hold" grpId="0" nodeType="clickEffect">
-                                  <p:stCondLst>
-                                    <p:cond delay="0"/>
-                                  </p:stCondLst>
-                                  <p:childTnLst>
-                                    <p:set>
-                                      <p:cBhvr>
-                                        <p:cTn id="30" dur="1" fill="hold">
-                                          <p:stCondLst>
-                                            <p:cond delay="0"/>
-                                          </p:stCondLst>
-                                        </p:cTn>
-                                        <p:tgtEl>
-                                          <p:spTgt spid="31"/>
-                                        </p:tgtEl>
-                                        <p:attrNameLst>
-                                          <p:attrName>style.visibility</p:attrName>
-                                        </p:attrNameLst>
-                                      </p:cBhvr>
-                                      <p:to>
-                                        <p:strVal val="visible"/>
-                                      </p:to>
-                                    </p:set>
-                                  </p:childTnLst>
-                                  <p:subTnLst>
-                                    <p:set>
-                                      <p:cBhvr override="childStyle">
-                                        <p:cTn dur="1" fill="hold" display="0" masterRel="nextClick" afterEffect="1"/>
-                                        <p:tgtEl>
-                                          <p:spTgt spid="31"/>
-                                        </p:tgtEl>
-                                        <p:attrNameLst>
-                                          <p:attrName>style.visibility</p:attrName>
-                                        </p:attrNameLst>
-                                      </p:cBhvr>
-                                      <p:to>
-                                        <p:strVal val="hidden"/>
-                                      </p:to>
-                                    </p:set>
-                                  </p:subTnLst>
-                                </p:cTn>
-                              </p:par>
-                            </p:childTnLst>
-                          </p:cTn>
-                        </p:par>
-                      </p:childTnLst>
-                    </p:cTn>
-                  </p:par>
-                  <p:par>
-                    <p:cTn id="31" fill="hold">
-                      <p:stCondLst>
-                        <p:cond delay="indefinite"/>
-                      </p:stCondLst>
-                      <p:childTnLst>
-                        <p:par>
-                          <p:cTn id="32" fill="hold">
-                            <p:stCondLst>
-                              <p:cond delay="0"/>
-                            </p:stCondLst>
-                            <p:childTnLst>
-                              <p:par>
-                                <p:cTn id="33" presetID="1" presetClass="entr" presetSubtype="0" fill="hold" grpId="0" nodeType="clickEffect">
-                                  <p:stCondLst>
-                                    <p:cond delay="0"/>
-                                  </p:stCondLst>
-                                  <p:childTnLst>
-                                    <p:set>
-                                      <p:cBhvr>
-                                        <p:cTn id="34" dur="1" fill="hold">
                                           <p:stCondLst>
                                             <p:cond delay="0"/>
                                           </p:stCondLst>
@@ -13772,8 +14182,6 @@
       </p:par>
     </p:tnLst>
     <p:bldLst>
-      <p:bldP spid="5" grpId="0" animBg="1"/>
-      <p:bldP spid="26" grpId="0" animBg="1"/>
       <p:bldP spid="27" grpId="0" animBg="1"/>
       <p:bldP spid="28" grpId="0" animBg="1"/>
       <p:bldP spid="29" grpId="0" animBg="1"/>
@@ -13785,7 +14193,7 @@
 </p:sld>
 </file>
 
-<file path=ppt/slides/slide26.xml><?xml version="1.0" encoding="utf-8"?>
+<file path=ppt/slides/slide27.xml><?xml version="1.0" encoding="utf-8"?>
 <p:sld xmlns:a="http://schemas.openxmlformats.org/drawingml/2006/main" xmlns:r="http://schemas.openxmlformats.org/officeDocument/2006/relationships" xmlns:p="http://schemas.openxmlformats.org/presentationml/2006/main">
   <p:cSld>
     <p:spTree>
@@ -13972,7 +14380,7 @@
 </p:sld>
 </file>
 
-<file path=ppt/slides/slide27.xml><?xml version="1.0" encoding="utf-8"?>
+<file path=ppt/slides/slide28.xml><?xml version="1.0" encoding="utf-8"?>
 <p:sld xmlns:a="http://schemas.openxmlformats.org/drawingml/2006/main" xmlns:r="http://schemas.openxmlformats.org/officeDocument/2006/relationships" xmlns:p="http://schemas.openxmlformats.org/presentationml/2006/main">
   <p:cSld>
     <p:bg>
@@ -14254,7 +14662,7 @@
                                           </p:stCondLst>
                                         </p:cTn>
                                         <p:tgtEl>
-                                          <p:spTgt spid="1006"/>
+                                          <p:spTgt spid="29"/>
                                         </p:tgtEl>
                                         <p:attrNameLst>
                                           <p:attrName>style.visibility</p:attrName>
@@ -14281,7 +14689,7 @@
                                           </p:stCondLst>
                                         </p:cTn>
                                         <p:tgtEl>
-                                          <p:spTgt spid="22"/>
+                                          <p:spTgt spid="30"/>
                                         </p:tgtEl>
                                         <p:attrNameLst>
                                           <p:attrName>style.visibility</p:attrName>
@@ -14308,7 +14716,7 @@
                                           </p:stCondLst>
                                         </p:cTn>
                                         <p:tgtEl>
-                                          <p:spTgt spid="26"/>
+                                          <p:spTgt spid="32"/>
                                         </p:tgtEl>
                                         <p:attrNameLst>
                                           <p:attrName>style.visibility</p:attrName>
@@ -14352,7 +14760,7 @@
 </p:sld>
 </file>
 
-<file path=ppt/slides/slide28.xml><?xml version="1.0" encoding="utf-8"?>
+<file path=ppt/slides/slide29.xml><?xml version="1.0" encoding="utf-8"?>
 <p:sld xmlns:a="http://schemas.openxmlformats.org/drawingml/2006/main" xmlns:r="http://schemas.openxmlformats.org/officeDocument/2006/relationships" xmlns:p="http://schemas.openxmlformats.org/presentationml/2006/main">
   <p:cSld name="Slide 27">
     <p:bg>
@@ -14710,6 +15118,156 @@
 
 <file path=ppt/slides/slide4.xml><?xml version="1.0" encoding="utf-8"?>
 <p:sld xmlns:a="http://schemas.openxmlformats.org/drawingml/2006/main" xmlns:r="http://schemas.openxmlformats.org/officeDocument/2006/relationships" xmlns:p="http://schemas.openxmlformats.org/presentationml/2006/main">
+  <p:cSld>
+    <p:spTree>
+      <p:nvGrpSpPr>
+        <p:cNvPr id="1" name=""/>
+        <p:cNvGrpSpPr/>
+        <p:nvPr/>
+      </p:nvGrpSpPr>
+      <p:grpSpPr>
+        <a:xfrm>
+          <a:off x="0" y="0"/>
+          <a:ext cx="0" cy="0"/>
+          <a:chOff x="0" y="0"/>
+          <a:chExt cx="0" cy="0"/>
+        </a:xfrm>
+      </p:grpSpPr>
+      <p:pic>
+        <p:nvPicPr>
+          <p:cNvPr id="17" name="Object 16"/>
+          <p:cNvPicPr>
+            <a:picLocks noChangeAspect="1"/>
+          </p:cNvPicPr>
+          <p:nvPr/>
+        </p:nvPicPr>
+        <p:blipFill>
+          <a:blip r:embed="rId3" cstate="print"/>
+          <a:stretch>
+            <a:fillRect/>
+          </a:stretch>
+        </p:blipFill>
+        <p:spPr>
+          <a:xfrm>
+            <a:off x="735259" y="598639"/>
+            <a:ext cx="2456087" cy="754596"/>
+          </a:xfrm>
+          <a:prstGeom prst="rect">
+            <a:avLst/>
+          </a:prstGeom>
+        </p:spPr>
+      </p:pic>
+      <p:pic>
+        <p:nvPicPr>
+          <p:cNvPr id="18" name="Object 17"/>
+          <p:cNvPicPr>
+            <a:picLocks noChangeAspect="1"/>
+          </p:cNvPicPr>
+          <p:nvPr/>
+        </p:nvPicPr>
+        <p:blipFill>
+          <a:blip r:embed="rId4" cstate="print"/>
+          <a:stretch>
+            <a:fillRect/>
+          </a:stretch>
+        </p:blipFill>
+        <p:spPr>
+          <a:xfrm>
+            <a:off x="773709" y="1263162"/>
+            <a:ext cx="1534528" cy="216424"/>
+          </a:xfrm>
+          <a:prstGeom prst="rect">
+            <a:avLst/>
+          </a:prstGeom>
+        </p:spPr>
+      </p:pic>
+      <p:grpSp>
+        <p:nvGrpSpPr>
+          <p:cNvPr id="1003" name="그룹 1003"/>
+          <p:cNvGrpSpPr/>
+          <p:nvPr/>
+        </p:nvGrpSpPr>
+        <p:grpSpPr>
+          <a:xfrm>
+            <a:off x="27026" y="1142550"/>
+            <a:ext cx="1252144" cy="276873"/>
+            <a:chOff x="27026" y="1142550"/>
+            <a:chExt cx="1252144" cy="276873"/>
+          </a:xfrm>
+        </p:grpSpPr>
+        <p:pic>
+          <p:nvPicPr>
+            <p:cNvPr id="20" name="Object 19"/>
+            <p:cNvPicPr>
+              <a:picLocks noChangeAspect="1"/>
+            </p:cNvPicPr>
+            <p:nvPr/>
+          </p:nvPicPr>
+          <p:blipFill>
+            <a:blip r:embed="rId5" cstate="print"/>
+            <a:stretch>
+              <a:fillRect/>
+            </a:stretch>
+          </p:blipFill>
+          <p:spPr>
+            <a:xfrm rot="-16200000">
+              <a:off x="27026" y="1142550"/>
+              <a:ext cx="1252144" cy="276873"/>
+            </a:xfrm>
+            <a:prstGeom prst="rect">
+              <a:avLst/>
+            </a:prstGeom>
+          </p:spPr>
+        </p:pic>
+      </p:grpSp>
+      <p:pic>
+        <p:nvPicPr>
+          <p:cNvPr id="2" name="CiW8R1PHUbw"/>
+          <p:cNvPicPr>
+            <a:picLocks noRot="1" noChangeAspect="1"/>
+          </p:cNvPicPr>
+          <p:nvPr>
+            <a:videoFile r:link="rId1"/>
+          </p:nvPr>
+        </p:nvPicPr>
+        <p:blipFill>
+          <a:blip r:embed="rId6"/>
+          <a:stretch>
+            <a:fillRect/>
+          </a:stretch>
+        </p:blipFill>
+        <p:spPr>
+          <a:xfrm>
+            <a:off x="1385887" y="2144109"/>
+            <a:ext cx="7829353" cy="4404011"/>
+          </a:xfrm>
+          <a:prstGeom prst="rect">
+            <a:avLst/>
+          </a:prstGeom>
+        </p:spPr>
+      </p:pic>
+    </p:spTree>
+    <p:extLst>
+      <p:ext uri="{BB962C8B-B14F-4D97-AF65-F5344CB8AC3E}">
+        <p14:creationId xmlns:p14="http://schemas.microsoft.com/office/powerpoint/2010/main" val="3200252325"/>
+      </p:ext>
+    </p:extLst>
+  </p:cSld>
+  <p:clrMapOvr>
+    <a:masterClrMapping/>
+  </p:clrMapOvr>
+  <p:timing>
+    <p:tnLst>
+      <p:par>
+        <p:cTn id="1" dur="indefinite" restart="never" nodeType="tmRoot"/>
+      </p:par>
+    </p:tnLst>
+  </p:timing>
+</p:sld>
+</file>
+
+<file path=ppt/slides/slide5.xml><?xml version="1.0" encoding="utf-8"?>
+<p:sld xmlns:a="http://schemas.openxmlformats.org/drawingml/2006/main" xmlns:r="http://schemas.openxmlformats.org/officeDocument/2006/relationships" xmlns:p="http://schemas.openxmlformats.org/presentationml/2006/main">
   <p:cSld name="Slide 4">
     <p:bg>
       <p:bgPr>
@@ -15153,7 +15711,7 @@
 </p:sld>
 </file>
 
-<file path=ppt/slides/slide5.xml><?xml version="1.0" encoding="utf-8"?>
+<file path=ppt/slides/slide6.xml><?xml version="1.0" encoding="utf-8"?>
 <p:sld xmlns:a="http://schemas.openxmlformats.org/drawingml/2006/main" xmlns:r="http://schemas.openxmlformats.org/officeDocument/2006/relationships" xmlns:p="http://schemas.openxmlformats.org/presentationml/2006/main">
   <p:cSld name="Slide 5">
     <p:bg>
@@ -15604,7 +16162,7 @@
 </p:sld>
 </file>
 
-<file path=ppt/slides/slide6.xml><?xml version="1.0" encoding="utf-8"?>
+<file path=ppt/slides/slide7.xml><?xml version="1.0" encoding="utf-8"?>
 <p:sld xmlns:a="http://schemas.openxmlformats.org/drawingml/2006/main" xmlns:r="http://schemas.openxmlformats.org/officeDocument/2006/relationships" xmlns:p="http://schemas.openxmlformats.org/presentationml/2006/main">
   <p:cSld name="Slide 7">
     <p:bg>
@@ -16139,7 +16697,7 @@
 </p:sld>
 </file>
 
-<file path=ppt/slides/slide7.xml><?xml version="1.0" encoding="utf-8"?>
+<file path=ppt/slides/slide8.xml><?xml version="1.0" encoding="utf-8"?>
 <p:sld xmlns:a="http://schemas.openxmlformats.org/drawingml/2006/main" xmlns:r="http://schemas.openxmlformats.org/officeDocument/2006/relationships" xmlns:p="http://schemas.openxmlformats.org/presentationml/2006/main">
   <p:cSld name="Slide 8">
     <p:bg>
@@ -16818,7 +17376,7 @@
 </p:sld>
 </file>
 
-<file path=ppt/slides/slide8.xml><?xml version="1.0" encoding="utf-8"?>
+<file path=ppt/slides/slide9.xml><?xml version="1.0" encoding="utf-8"?>
 <p:sld xmlns:a="http://schemas.openxmlformats.org/drawingml/2006/main" xmlns:r="http://schemas.openxmlformats.org/officeDocument/2006/relationships" xmlns:p="http://schemas.openxmlformats.org/presentationml/2006/main">
   <p:cSld name="Slide 9">
     <p:bg>
@@ -17106,571 +17664,6 @@
         <p:cTn id="1" dur="indefinite" restart="never" nodeType="tmRoot"/>
       </p:par>
     </p:tnLst>
-  </p:timing>
-</p:sld>
-</file>
-
-<file path=ppt/slides/slide9.xml><?xml version="1.0" encoding="utf-8"?>
-<p:sld xmlns:a="http://schemas.openxmlformats.org/drawingml/2006/main" xmlns:r="http://schemas.openxmlformats.org/officeDocument/2006/relationships" xmlns:p="http://schemas.openxmlformats.org/presentationml/2006/main">
-  <p:cSld name="Slide 10">
-    <p:bg>
-      <p:bgPr>
-        <a:solidFill>
-          <a:srgbClr val="FFFFFF"/>
-        </a:solidFill>
-        <a:effectLst/>
-      </p:bgPr>
-    </p:bg>
-    <p:spTree>
-      <p:nvGrpSpPr>
-        <p:cNvPr id="1" name=""/>
-        <p:cNvGrpSpPr/>
-        <p:nvPr/>
-      </p:nvGrpSpPr>
-      <p:grpSpPr>
-        <a:xfrm>
-          <a:off x="0" y="0"/>
-          <a:ext cx="0" cy="0"/>
-          <a:chOff x="0" y="0"/>
-          <a:chExt cx="0" cy="0"/>
-        </a:xfrm>
-      </p:grpSpPr>
-      <p:pic>
-        <p:nvPicPr>
-          <p:cNvPr id="2" name="Object 1"/>
-          <p:cNvPicPr>
-            <a:picLocks noChangeAspect="1"/>
-          </p:cNvPicPr>
-          <p:nvPr/>
-        </p:nvPicPr>
-        <p:blipFill>
-          <a:blip r:embed="rId2" cstate="print"/>
-          <a:stretch>
-            <a:fillRect/>
-          </a:stretch>
-        </p:blipFill>
-        <p:spPr>
-          <a:xfrm>
-            <a:off x="894129" y="510930"/>
-            <a:ext cx="2456401" cy="746177"/>
-          </a:xfrm>
-          <a:prstGeom prst="rect">
-            <a:avLst/>
-          </a:prstGeom>
-        </p:spPr>
-      </p:pic>
-      <p:pic>
-        <p:nvPicPr>
-          <p:cNvPr id="3" name="Object 2"/>
-          <p:cNvPicPr>
-            <a:picLocks noChangeAspect="1"/>
-          </p:cNvPicPr>
-          <p:nvPr/>
-        </p:nvPicPr>
-        <p:blipFill>
-          <a:blip r:embed="rId3" cstate="print"/>
-          <a:stretch>
-            <a:fillRect/>
-          </a:stretch>
-        </p:blipFill>
-        <p:spPr>
-          <a:xfrm>
-            <a:off x="969556" y="1591337"/>
-            <a:ext cx="723862" cy="241233"/>
-          </a:xfrm>
-          <a:prstGeom prst="rect">
-            <a:avLst/>
-          </a:prstGeom>
-        </p:spPr>
-      </p:pic>
-      <p:grpSp>
-        <p:nvGrpSpPr>
-          <p:cNvPr id="1001" name="그룹 1001"/>
-          <p:cNvGrpSpPr/>
-          <p:nvPr/>
-        </p:nvGrpSpPr>
-        <p:grpSpPr>
-          <a:xfrm>
-            <a:off x="112539" y="1160439"/>
-            <a:ext cx="1252144" cy="276873"/>
-            <a:chOff x="112539" y="1160439"/>
-            <a:chExt cx="1252144" cy="276873"/>
-          </a:xfrm>
-        </p:grpSpPr>
-        <p:pic>
-          <p:nvPicPr>
-            <p:cNvPr id="5" name="Object 4"/>
-            <p:cNvPicPr>
-              <a:picLocks noChangeAspect="1"/>
-            </p:cNvPicPr>
-            <p:nvPr/>
-          </p:nvPicPr>
-          <p:blipFill>
-            <a:blip r:embed="rId4" cstate="print"/>
-            <a:stretch>
-              <a:fillRect/>
-            </a:stretch>
-          </p:blipFill>
-          <p:spPr>
-            <a:xfrm rot="-16200000">
-              <a:off x="112539" y="1160439"/>
-              <a:ext cx="1252144" cy="276873"/>
-            </a:xfrm>
-            <a:prstGeom prst="rect">
-              <a:avLst/>
-            </a:prstGeom>
-          </p:spPr>
-        </p:pic>
-      </p:grpSp>
-      <p:pic>
-        <p:nvPicPr>
-          <p:cNvPr id="7" name="Object 6"/>
-          <p:cNvPicPr>
-            <a:picLocks noChangeAspect="1"/>
-          </p:cNvPicPr>
-          <p:nvPr/>
-        </p:nvPicPr>
-        <p:blipFill>
-          <a:blip r:embed="rId5" cstate="print"/>
-          <a:stretch>
-            <a:fillRect/>
-          </a:stretch>
-        </p:blipFill>
-        <p:spPr>
-          <a:xfrm>
-            <a:off x="1804322" y="2774714"/>
-            <a:ext cx="2998419" cy="3402857"/>
-          </a:xfrm>
-          <a:prstGeom prst="rect">
-            <a:avLst/>
-          </a:prstGeom>
-        </p:spPr>
-      </p:pic>
-      <p:grpSp>
-        <p:nvGrpSpPr>
-          <p:cNvPr id="1002" name="그룹 1002"/>
-          <p:cNvGrpSpPr/>
-          <p:nvPr/>
-        </p:nvGrpSpPr>
-        <p:grpSpPr>
-          <a:xfrm>
-            <a:off x="6239290" y="1825770"/>
-            <a:ext cx="3332948" cy="1623630"/>
-            <a:chOff x="6239290" y="1825770"/>
-            <a:chExt cx="3332948" cy="1623630"/>
-          </a:xfrm>
-        </p:grpSpPr>
-        <p:pic>
-          <p:nvPicPr>
-            <p:cNvPr id="9" name="Object 8"/>
-            <p:cNvPicPr>
-              <a:picLocks noChangeAspect="1"/>
-            </p:cNvPicPr>
-            <p:nvPr/>
-          </p:nvPicPr>
-          <p:blipFill>
-            <a:blip r:embed="rId6" cstate="print"/>
-            <a:stretch>
-              <a:fillRect/>
-            </a:stretch>
-          </p:blipFill>
-          <p:spPr>
-            <a:xfrm>
-              <a:off x="6239290" y="1825770"/>
-              <a:ext cx="3332948" cy="1623630"/>
-            </a:xfrm>
-            <a:prstGeom prst="rect">
-              <a:avLst/>
-            </a:prstGeom>
-          </p:spPr>
-        </p:pic>
-      </p:grpSp>
-      <p:grpSp>
-        <p:nvGrpSpPr>
-          <p:cNvPr id="1003" name="그룹 1003"/>
-          <p:cNvGrpSpPr/>
-          <p:nvPr/>
-        </p:nvGrpSpPr>
-        <p:grpSpPr>
-          <a:xfrm>
-            <a:off x="5035474" y="2354225"/>
-            <a:ext cx="1210545" cy="420489"/>
-            <a:chOff x="5035474" y="2354225"/>
-            <a:chExt cx="1210545" cy="420489"/>
-          </a:xfrm>
-        </p:grpSpPr>
-        <p:pic>
-          <p:nvPicPr>
-            <p:cNvPr id="12" name="Object 11"/>
-            <p:cNvPicPr>
-              <a:picLocks noChangeAspect="1"/>
-            </p:cNvPicPr>
-            <p:nvPr/>
-          </p:nvPicPr>
-          <p:blipFill>
-            <a:blip r:embed="rId7" cstate="print"/>
-            <a:stretch>
-              <a:fillRect/>
-            </a:stretch>
-          </p:blipFill>
-          <p:spPr>
-            <a:xfrm rot="10800000">
-              <a:off x="5035474" y="2354225"/>
-              <a:ext cx="1210545" cy="420489"/>
-            </a:xfrm>
-            <a:prstGeom prst="rect">
-              <a:avLst/>
-            </a:prstGeom>
-          </p:spPr>
-        </p:pic>
-      </p:grpSp>
-      <p:pic>
-        <p:nvPicPr>
-          <p:cNvPr id="14" name="Object 13"/>
-          <p:cNvPicPr>
-            <a:picLocks noChangeAspect="1"/>
-          </p:cNvPicPr>
-          <p:nvPr/>
-        </p:nvPicPr>
-        <p:blipFill>
-          <a:blip r:embed="rId8" cstate="print"/>
-          <a:stretch>
-            <a:fillRect/>
-          </a:stretch>
-        </p:blipFill>
-        <p:spPr>
-          <a:xfrm>
-            <a:off x="6626715" y="2069877"/>
-            <a:ext cx="2563540" cy="1208854"/>
-          </a:xfrm>
-          <a:prstGeom prst="rect">
-            <a:avLst/>
-          </a:prstGeom>
-        </p:spPr>
-      </p:pic>
-      <p:pic>
-        <p:nvPicPr>
-          <p:cNvPr id="15" name="Object 14"/>
-          <p:cNvPicPr>
-            <a:picLocks noChangeAspect="1"/>
-          </p:cNvPicPr>
-          <p:nvPr/>
-        </p:nvPicPr>
-        <p:blipFill>
-          <a:blip r:embed="rId9" cstate="print"/>
-          <a:stretch>
-            <a:fillRect/>
-          </a:stretch>
-        </p:blipFill>
-        <p:spPr>
-          <a:xfrm>
-            <a:off x="6282071" y="4035719"/>
-            <a:ext cx="1887288" cy="2141852"/>
-          </a:xfrm>
-          <a:prstGeom prst="rect">
-            <a:avLst/>
-          </a:prstGeom>
-        </p:spPr>
-      </p:pic>
-      <p:pic>
-        <p:nvPicPr>
-          <p:cNvPr id="16" name="Object 15"/>
-          <p:cNvPicPr>
-            <a:picLocks noChangeAspect="1"/>
-          </p:cNvPicPr>
-          <p:nvPr/>
-        </p:nvPicPr>
-        <p:blipFill>
-          <a:blip r:embed="rId10" cstate="print"/>
-          <a:stretch>
-            <a:fillRect/>
-          </a:stretch>
-        </p:blipFill>
-        <p:spPr>
-          <a:xfrm>
-            <a:off x="7410073" y="5038076"/>
-            <a:ext cx="1192917" cy="834841"/>
-          </a:xfrm>
-          <a:prstGeom prst="rect">
-            <a:avLst/>
-          </a:prstGeom>
-        </p:spPr>
-      </p:pic>
-      <p:grpSp>
-        <p:nvGrpSpPr>
-          <p:cNvPr id="1004" name="그룹 1004"/>
-          <p:cNvGrpSpPr/>
-          <p:nvPr/>
-        </p:nvGrpSpPr>
-        <p:grpSpPr>
-          <a:xfrm>
-            <a:off x="9572238" y="215321"/>
-            <a:ext cx="948673" cy="914965"/>
-            <a:chOff x="9572238" y="215321"/>
-            <a:chExt cx="948673" cy="914965"/>
-          </a:xfrm>
-        </p:grpSpPr>
-        <p:pic>
-          <p:nvPicPr>
-            <p:cNvPr id="18" name="Object 17"/>
-            <p:cNvPicPr>
-              <a:picLocks noChangeAspect="1"/>
-            </p:cNvPicPr>
-            <p:nvPr/>
-          </p:nvPicPr>
-          <p:blipFill>
-            <a:blip r:embed="rId11" cstate="print"/>
-            <a:stretch>
-              <a:fillRect/>
-            </a:stretch>
-          </p:blipFill>
-          <p:spPr>
-            <a:xfrm>
-              <a:off x="9572238" y="215321"/>
-              <a:ext cx="948673" cy="914965"/>
-            </a:xfrm>
-            <a:prstGeom prst="rect">
-              <a:avLst/>
-            </a:prstGeom>
-          </p:spPr>
-        </p:pic>
-      </p:grpSp>
-      <p:pic>
-        <p:nvPicPr>
-          <p:cNvPr id="20" name="Object 19"/>
-          <p:cNvPicPr>
-            <a:picLocks noChangeAspect="1"/>
-          </p:cNvPicPr>
-          <p:nvPr/>
-        </p:nvPicPr>
-        <p:blipFill>
-          <a:blip r:embed="rId12" cstate="print"/>
-          <a:stretch>
-            <a:fillRect/>
-          </a:stretch>
-        </p:blipFill>
-        <p:spPr>
-          <a:xfrm>
-            <a:off x="9862135" y="544822"/>
-            <a:ext cx="332968" cy="298902"/>
-          </a:xfrm>
-          <a:prstGeom prst="rect">
-            <a:avLst/>
-          </a:prstGeom>
-        </p:spPr>
-      </p:pic>
-      <p:sp>
-        <p:nvSpPr>
-          <p:cNvPr id="4" name="TextBox 3"/>
-          <p:cNvSpPr txBox="1"/>
-          <p:nvPr/>
-        </p:nvSpPr>
-        <p:spPr>
-          <a:xfrm>
-            <a:off x="7905764" y="5655912"/>
-            <a:ext cx="762000" cy="369332"/>
-          </a:xfrm>
-          <a:prstGeom prst="rect">
-            <a:avLst/>
-          </a:prstGeom>
-          <a:noFill/>
-        </p:spPr>
-        <p:txBody>
-          <a:bodyPr wrap="square" rtlCol="0">
-            <a:spAutoFit/>
-          </a:bodyPr>
-          <a:lstStyle/>
-          <a:p>
-            <a:r>
-              <a:rPr lang="en-US" altLang="ko-KR" dirty="0" smtClean="0"/>
-              <a:t>73%</a:t>
-            </a:r>
-            <a:endParaRPr lang="ko-KR" altLang="en-US" dirty="0"/>
-          </a:p>
-        </p:txBody>
-      </p:sp>
-      <p:sp>
-        <p:nvSpPr>
-          <p:cNvPr id="6" name="포인트가 5개인 별 5"/>
-          <p:cNvSpPr/>
-          <p:nvPr/>
-        </p:nvSpPr>
-        <p:spPr>
-          <a:xfrm>
-            <a:off x="2376487" y="4695825"/>
-            <a:ext cx="609600" cy="572149"/>
-          </a:xfrm>
-          <a:prstGeom prst="star5">
-            <a:avLst/>
-          </a:prstGeom>
-          <a:noFill/>
-          <a:ln>
-            <a:solidFill>
-              <a:srgbClr val="FFFF00"/>
-            </a:solidFill>
-          </a:ln>
-        </p:spPr>
-        <p:style>
-          <a:lnRef idx="2">
-            <a:schemeClr val="accent1">
-              <a:shade val="50000"/>
-            </a:schemeClr>
-          </a:lnRef>
-          <a:fillRef idx="1">
-            <a:schemeClr val="accent1"/>
-          </a:fillRef>
-          <a:effectRef idx="0">
-            <a:schemeClr val="accent1"/>
-          </a:effectRef>
-          <a:fontRef idx="minor">
-            <a:schemeClr val="lt1"/>
-          </a:fontRef>
-        </p:style>
-        <p:txBody>
-          <a:bodyPr rtlCol="0" anchor="ctr"/>
-          <a:lstStyle/>
-          <a:p>
-            <a:pPr algn="ctr"/>
-            <a:endParaRPr lang="ko-KR" altLang="en-US"/>
-          </a:p>
-        </p:txBody>
-      </p:sp>
-    </p:spTree>
-  </p:cSld>
-  <p:clrMapOvr>
-    <a:masterClrMapping/>
-  </p:clrMapOvr>
-  <p:timing>
-    <p:tnLst>
-      <p:par>
-        <p:cTn id="1" dur="indefinite" restart="never" nodeType="tmRoot">
-          <p:childTnLst>
-            <p:seq concurrent="1" nextAc="seek">
-              <p:cTn id="2" dur="indefinite" nodeType="mainSeq">
-                <p:childTnLst>
-                  <p:par>
-                    <p:cTn id="3" fill="hold">
-                      <p:stCondLst>
-                        <p:cond delay="indefinite"/>
-                      </p:stCondLst>
-                      <p:childTnLst>
-                        <p:par>
-                          <p:cTn id="4" fill="hold">
-                            <p:stCondLst>
-                              <p:cond delay="0"/>
-                            </p:stCondLst>
-                            <p:childTnLst>
-                              <p:par>
-                                <p:cTn id="5" presetID="1" presetClass="entr" presetSubtype="0" fill="hold" nodeType="clickEffect">
-                                  <p:stCondLst>
-                                    <p:cond delay="0"/>
-                                  </p:stCondLst>
-                                  <p:childTnLst>
-                                    <p:set>
-                                      <p:cBhvr>
-                                        <p:cTn id="6" dur="1" fill="hold">
-                                          <p:stCondLst>
-                                            <p:cond delay="0"/>
-                                          </p:stCondLst>
-                                        </p:cTn>
-                                        <p:tgtEl>
-                                          <p:spTgt spid="15"/>
-                                        </p:tgtEl>
-                                        <p:attrNameLst>
-                                          <p:attrName>style.visibility</p:attrName>
-                                        </p:attrNameLst>
-                                      </p:cBhvr>
-                                      <p:to>
-                                        <p:strVal val="visible"/>
-                                      </p:to>
-                                    </p:set>
-                                  </p:childTnLst>
-                                </p:cTn>
-                              </p:par>
-                              <p:par>
-                                <p:cTn id="7" presetID="1" presetClass="entr" presetSubtype="0" fill="hold" nodeType="withEffect">
-                                  <p:stCondLst>
-                                    <p:cond delay="0"/>
-                                  </p:stCondLst>
-                                  <p:childTnLst>
-                                    <p:set>
-                                      <p:cBhvr>
-                                        <p:cTn id="8" dur="1" fill="hold">
-                                          <p:stCondLst>
-                                            <p:cond delay="0"/>
-                                          </p:stCondLst>
-                                        </p:cTn>
-                                        <p:tgtEl>
-                                          <p:spTgt spid="16"/>
-                                        </p:tgtEl>
-                                        <p:attrNameLst>
-                                          <p:attrName>style.visibility</p:attrName>
-                                        </p:attrNameLst>
-                                      </p:cBhvr>
-                                      <p:to>
-                                        <p:strVal val="visible"/>
-                                      </p:to>
-                                    </p:set>
-                                  </p:childTnLst>
-                                </p:cTn>
-                              </p:par>
-                              <p:par>
-                                <p:cTn id="9" presetID="1" presetClass="entr" presetSubtype="0" fill="hold" grpId="0" nodeType="withEffect">
-                                  <p:stCondLst>
-                                    <p:cond delay="0"/>
-                                  </p:stCondLst>
-                                  <p:childTnLst>
-                                    <p:set>
-                                      <p:cBhvr>
-                                        <p:cTn id="10" dur="1" fill="hold">
-                                          <p:stCondLst>
-                                            <p:cond delay="0"/>
-                                          </p:stCondLst>
-                                        </p:cTn>
-                                        <p:tgtEl>
-                                          <p:spTgt spid="4"/>
-                                        </p:tgtEl>
-                                        <p:attrNameLst>
-                                          <p:attrName>style.visibility</p:attrName>
-                                        </p:attrNameLst>
-                                      </p:cBhvr>
-                                      <p:to>
-                                        <p:strVal val="visible"/>
-                                      </p:to>
-                                    </p:set>
-                                  </p:childTnLst>
-                                </p:cTn>
-                              </p:par>
-                            </p:childTnLst>
-                          </p:cTn>
-                        </p:par>
-                      </p:childTnLst>
-                    </p:cTn>
-                  </p:par>
-                </p:childTnLst>
-              </p:cTn>
-              <p:prevCondLst>
-                <p:cond evt="onPrev" delay="0">
-                  <p:tgtEl>
-                    <p:sldTgt/>
-                  </p:tgtEl>
-                </p:cond>
-              </p:prevCondLst>
-              <p:nextCondLst>
-                <p:cond evt="onNext" delay="0">
-                  <p:tgtEl>
-                    <p:sldTgt/>
-                  </p:tgtEl>
-                </p:cond>
-              </p:nextCondLst>
-            </p:seq>
-          </p:childTnLst>
-        </p:cTn>
-      </p:par>
-    </p:tnLst>
-    <p:bldLst>
-      <p:bldP spid="4" grpId="0"/>
-    </p:bldLst>
   </p:timing>
 </p:sld>
 </file>
